--- a/assets/files/Tema6/clustering/6.5 Clustering.pptx
+++ b/assets/files/Tema6/clustering/6.5 Clustering.pptx
@@ -9040,6 +9040,285 @@
 </file>
 
 <file path=ppt/theme/theme1.xml><?xml version="1.0" encoding="utf-8"?>
+<a:theme xmlns:a="http://schemas.openxmlformats.org/drawingml/2006/main" xmlns:r="http://schemas.openxmlformats.org/officeDocument/2006/relationships" name="Beach Day">
+  <a:themeElements>
+    <a:clrScheme name="Beach Day">
+      <a:dk1>
+        <a:srgbClr val="00FDC8"/>
+      </a:dk1>
+      <a:lt1>
+        <a:srgbClr val="FFFFFF"/>
+      </a:lt1>
+      <a:dk2>
+        <a:srgbClr val="666666"/>
+      </a:dk2>
+      <a:lt2>
+        <a:srgbClr val="EEEEEE"/>
+      </a:lt2>
+      <a:accent1>
+        <a:srgbClr val="212121"/>
+      </a:accent1>
+      <a:accent2>
+        <a:srgbClr val="455A64"/>
+      </a:accent2>
+      <a:accent3>
+        <a:srgbClr val="78909C"/>
+      </a:accent3>
+      <a:accent4>
+        <a:srgbClr val="7C7CE0"/>
+      </a:accent4>
+      <a:accent5>
+        <a:srgbClr val="DB4437"/>
+      </a:accent5>
+      <a:accent6>
+        <a:srgbClr val="F6CD4C"/>
+      </a:accent6>
+      <a:hlink>
+        <a:srgbClr val="DB4437"/>
+      </a:hlink>
+      <a:folHlink>
+        <a:srgbClr val="DB4437"/>
+      </a:folHlink>
+    </a:clrScheme>
+    <a:fontScheme name="Office">
+      <a:majorFont>
+        <a:latin typeface="Arial"/>
+        <a:ea typeface=""/>
+        <a:cs typeface=""/>
+        <a:font script="Jpan" typeface="ＭＳ Ｐゴシック"/>
+        <a:font script="Hang" typeface="맑은 고딕"/>
+        <a:font script="Hans" typeface="宋体"/>
+        <a:font script="Hant" typeface="新細明體"/>
+        <a:font script="Arab" typeface="Times New Roman"/>
+        <a:font script="Hebr" typeface="Times New Roman"/>
+        <a:font script="Thai" typeface="Angsana New"/>
+        <a:font script="Ethi" typeface="Nyala"/>
+        <a:font script="Beng" typeface="Vrinda"/>
+        <a:font script="Gujr" typeface="Shruti"/>
+        <a:font script="Khmr" typeface="MoolBoran"/>
+        <a:font script="Knda" typeface="Tunga"/>
+        <a:font script="Guru" typeface="Raavi"/>
+        <a:font script="Cans" typeface="Euphemia"/>
+        <a:font script="Cher" typeface="Plantagenet Cherokee"/>
+        <a:font script="Yiii" typeface="Microsoft Yi Baiti"/>
+        <a:font script="Tibt" typeface="Microsoft Himalaya"/>
+        <a:font script="Thaa" typeface="MV Boli"/>
+        <a:font script="Deva" typeface="Mangal"/>
+        <a:font script="Telu" typeface="Gautami"/>
+        <a:font script="Taml" typeface="Latha"/>
+        <a:font script="Syrc" typeface="Estrangelo Edessa"/>
+        <a:font script="Orya" typeface="Kalinga"/>
+        <a:font script="Mlym" typeface="Kartika"/>
+        <a:font script="Laoo" typeface="DokChampa"/>
+        <a:font script="Sinh" typeface="Iskoola Pota"/>
+        <a:font script="Mong" typeface="Mongolian Baiti"/>
+        <a:font script="Viet" typeface="Times New Roman"/>
+        <a:font script="Uigh" typeface="Microsoft Uighur"/>
+        <a:font script="Geor" typeface="Sylfaen"/>
+      </a:majorFont>
+      <a:minorFont>
+        <a:latin typeface="Arial"/>
+        <a:ea typeface=""/>
+        <a:cs typeface=""/>
+        <a:font script="Jpan" typeface="ＭＳ Ｐゴシック"/>
+        <a:font script="Hang" typeface="맑은 고딕"/>
+        <a:font script="Hans" typeface="宋体"/>
+        <a:font script="Hant" typeface="新細明體"/>
+        <a:font script="Arab" typeface="Arial"/>
+        <a:font script="Hebr" typeface="Arial"/>
+        <a:font script="Thai" typeface="Cordia New"/>
+        <a:font script="Ethi" typeface="Nyala"/>
+        <a:font script="Beng" typeface="Vrinda"/>
+        <a:font script="Gujr" typeface="Shruti"/>
+        <a:font script="Khmr" typeface="DaunPenh"/>
+        <a:font script="Knda" typeface="Tunga"/>
+        <a:font script="Guru" typeface="Raavi"/>
+        <a:font script="Cans" typeface="Euphemia"/>
+        <a:font script="Cher" typeface="Plantagenet Cherokee"/>
+        <a:font script="Yiii" typeface="Microsoft Yi Baiti"/>
+        <a:font script="Tibt" typeface="Microsoft Himalaya"/>
+        <a:font script="Thaa" typeface="MV Boli"/>
+        <a:font script="Deva" typeface="Mangal"/>
+        <a:font script="Telu" typeface="Gautami"/>
+        <a:font script="Taml" typeface="Latha"/>
+        <a:font script="Syrc" typeface="Estrangelo Edessa"/>
+        <a:font script="Orya" typeface="Kalinga"/>
+        <a:font script="Mlym" typeface="Kartika"/>
+        <a:font script="Laoo" typeface="DokChampa"/>
+        <a:font script="Sinh" typeface="Iskoola Pota"/>
+        <a:font script="Mong" typeface="Mongolian Baiti"/>
+        <a:font script="Viet" typeface="Arial"/>
+        <a:font script="Uigh" typeface="Microsoft Uighur"/>
+        <a:font script="Geor" typeface="Sylfaen"/>
+      </a:minorFont>
+    </a:fontScheme>
+    <a:fmtScheme name="Office">
+      <a:fillStyleLst>
+        <a:solidFill>
+          <a:schemeClr val="phClr"/>
+        </a:solidFill>
+        <a:gradFill rotWithShape="1">
+          <a:gsLst>
+            <a:gs pos="0">
+              <a:schemeClr val="phClr">
+                <a:tint val="50000"/>
+                <a:satMod val="300000"/>
+              </a:schemeClr>
+            </a:gs>
+            <a:gs pos="35000">
+              <a:schemeClr val="phClr">
+                <a:tint val="37000"/>
+                <a:satMod val="300000"/>
+              </a:schemeClr>
+            </a:gs>
+            <a:gs pos="100000">
+              <a:schemeClr val="phClr">
+                <a:tint val="15000"/>
+                <a:satMod val="350000"/>
+              </a:schemeClr>
+            </a:gs>
+          </a:gsLst>
+          <a:lin ang="16200000" scaled="1"/>
+        </a:gradFill>
+        <a:gradFill rotWithShape="1">
+          <a:gsLst>
+            <a:gs pos="0">
+              <a:schemeClr val="phClr">
+                <a:tint val="100000"/>
+                <a:shade val="100000"/>
+                <a:satMod val="130000"/>
+              </a:schemeClr>
+            </a:gs>
+            <a:gs pos="100000">
+              <a:schemeClr val="phClr">
+                <a:tint val="50000"/>
+                <a:shade val="100000"/>
+                <a:satMod val="350000"/>
+              </a:schemeClr>
+            </a:gs>
+          </a:gsLst>
+          <a:lin ang="16200000" scaled="0"/>
+        </a:gradFill>
+      </a:fillStyleLst>
+      <a:lnStyleLst>
+        <a:ln w="9525" cap="flat" cmpd="sng" algn="ctr">
+          <a:solidFill>
+            <a:schemeClr val="phClr">
+              <a:shade val="95000"/>
+              <a:satMod val="105000"/>
+            </a:schemeClr>
+          </a:solidFill>
+          <a:prstDash val="solid"/>
+        </a:ln>
+        <a:ln w="25400" cap="flat" cmpd="sng" algn="ctr">
+          <a:solidFill>
+            <a:schemeClr val="phClr"/>
+          </a:solidFill>
+          <a:prstDash val="solid"/>
+        </a:ln>
+        <a:ln w="38100" cap="flat" cmpd="sng" algn="ctr">
+          <a:solidFill>
+            <a:schemeClr val="phClr"/>
+          </a:solidFill>
+          <a:prstDash val="solid"/>
+        </a:ln>
+      </a:lnStyleLst>
+      <a:effectStyleLst>
+        <a:effectStyle>
+          <a:effectLst>
+            <a:outerShdw blurRad="40000" dist="20000" dir="5400000" rotWithShape="0">
+              <a:srgbClr val="000000">
+                <a:alpha val="38000"/>
+              </a:srgbClr>
+            </a:outerShdw>
+          </a:effectLst>
+        </a:effectStyle>
+        <a:effectStyle>
+          <a:effectLst>
+            <a:outerShdw blurRad="40000" dist="23000" dir="5400000" rotWithShape="0">
+              <a:srgbClr val="000000">
+                <a:alpha val="35000"/>
+              </a:srgbClr>
+            </a:outerShdw>
+          </a:effectLst>
+        </a:effectStyle>
+        <a:effectStyle>
+          <a:effectLst>
+            <a:outerShdw blurRad="40000" dist="23000" dir="5400000" rotWithShape="0">
+              <a:srgbClr val="000000">
+                <a:alpha val="35000"/>
+              </a:srgbClr>
+            </a:outerShdw>
+          </a:effectLst>
+          <a:scene3d>
+            <a:camera prst="orthographicFront">
+              <a:rot lat="0" lon="0" rev="0"/>
+            </a:camera>
+            <a:lightRig rig="threePt" dir="t">
+              <a:rot lat="0" lon="0" rev="1200000"/>
+            </a:lightRig>
+          </a:scene3d>
+          <a:sp3d>
+            <a:bevelT w="63500" h="25400"/>
+          </a:sp3d>
+        </a:effectStyle>
+      </a:effectStyleLst>
+      <a:bgFillStyleLst>
+        <a:solidFill>
+          <a:schemeClr val="phClr"/>
+        </a:solidFill>
+        <a:gradFill rotWithShape="1">
+          <a:gsLst>
+            <a:gs pos="0">
+              <a:schemeClr val="phClr">
+                <a:tint val="40000"/>
+                <a:satMod val="350000"/>
+              </a:schemeClr>
+            </a:gs>
+            <a:gs pos="40000">
+              <a:schemeClr val="phClr">
+                <a:tint val="45000"/>
+                <a:shade val="99000"/>
+                <a:satMod val="350000"/>
+              </a:schemeClr>
+            </a:gs>
+            <a:gs pos="100000">
+              <a:schemeClr val="phClr">
+                <a:shade val="20000"/>
+                <a:satMod val="255000"/>
+              </a:schemeClr>
+            </a:gs>
+          </a:gsLst>
+          <a:path path="circle">
+            <a:fillToRect l="50000" t="-80000" r="50000" b="180000"/>
+          </a:path>
+        </a:gradFill>
+        <a:gradFill rotWithShape="1">
+          <a:gsLst>
+            <a:gs pos="0">
+              <a:schemeClr val="phClr">
+                <a:tint val="80000"/>
+                <a:satMod val="300000"/>
+              </a:schemeClr>
+            </a:gs>
+            <a:gs pos="100000">
+              <a:schemeClr val="phClr">
+                <a:shade val="30000"/>
+                <a:satMod val="200000"/>
+              </a:schemeClr>
+            </a:gs>
+          </a:gsLst>
+          <a:path path="circle">
+            <a:fillToRect l="50000" t="50000" r="50000" b="50000"/>
+          </a:path>
+        </a:gradFill>
+      </a:bgFillStyleLst>
+    </a:fmtScheme>
+  </a:themeElements>
+</a:theme>
+</file>
+
+<file path=ppt/theme/theme2.xml><?xml version="1.0" encoding="utf-8"?>
 <a:theme xmlns:a="http://schemas.openxmlformats.org/drawingml/2006/main" xmlns:r="http://schemas.openxmlformats.org/officeDocument/2006/relationships">
   <a:themeElements>
     <a:clrScheme name="Default">
@@ -9316,283 +9595,4 @@
     </a:fmtScheme>
   </a:themeElements>
 </a:theme>
-</file>
-
-<file path=ppt/theme/theme2.xml><?xml version="1.0" encoding="utf-8"?>
-<a:theme xmlns:a="http://schemas.openxmlformats.org/drawingml/2006/main" xmlns:r="http://schemas.openxmlformats.org/officeDocument/2006/relationships" name="Beach Day">
-  <a:themeElements>
-    <a:clrScheme name="Beach Day">
-      <a:dk1>
-        <a:srgbClr val="00FDC8"/>
-      </a:dk1>
-      <a:lt1>
-        <a:srgbClr val="FFFFFF"/>
-      </a:lt1>
-      <a:dk2>
-        <a:srgbClr val="666666"/>
-      </a:dk2>
-      <a:lt2>
-        <a:srgbClr val="EEEEEE"/>
-      </a:lt2>
-      <a:accent1>
-        <a:srgbClr val="212121"/>
-      </a:accent1>
-      <a:accent2>
-        <a:srgbClr val="455A64"/>
-      </a:accent2>
-      <a:accent3>
-        <a:srgbClr val="78909C"/>
-      </a:accent3>
-      <a:accent4>
-        <a:srgbClr val="7C7CE0"/>
-      </a:accent4>
-      <a:accent5>
-        <a:srgbClr val="DB4437"/>
-      </a:accent5>
-      <a:accent6>
-        <a:srgbClr val="F6CD4C"/>
-      </a:accent6>
-      <a:hlink>
-        <a:srgbClr val="DB4437"/>
-      </a:hlink>
-      <a:folHlink>
-        <a:srgbClr val="DB4437"/>
-      </a:folHlink>
-    </a:clrScheme>
-    <a:fontScheme name="Office">
-      <a:majorFont>
-        <a:latin typeface="Arial"/>
-        <a:ea typeface=""/>
-        <a:cs typeface=""/>
-        <a:font script="Jpan" typeface="ＭＳ Ｐゴシック"/>
-        <a:font script="Hang" typeface="맑은 고딕"/>
-        <a:font script="Hans" typeface="宋体"/>
-        <a:font script="Hant" typeface="新細明體"/>
-        <a:font script="Arab" typeface="Times New Roman"/>
-        <a:font script="Hebr" typeface="Times New Roman"/>
-        <a:font script="Thai" typeface="Angsana New"/>
-        <a:font script="Ethi" typeface="Nyala"/>
-        <a:font script="Beng" typeface="Vrinda"/>
-        <a:font script="Gujr" typeface="Shruti"/>
-        <a:font script="Khmr" typeface="MoolBoran"/>
-        <a:font script="Knda" typeface="Tunga"/>
-        <a:font script="Guru" typeface="Raavi"/>
-        <a:font script="Cans" typeface="Euphemia"/>
-        <a:font script="Cher" typeface="Plantagenet Cherokee"/>
-        <a:font script="Yiii" typeface="Microsoft Yi Baiti"/>
-        <a:font script="Tibt" typeface="Microsoft Himalaya"/>
-        <a:font script="Thaa" typeface="MV Boli"/>
-        <a:font script="Deva" typeface="Mangal"/>
-        <a:font script="Telu" typeface="Gautami"/>
-        <a:font script="Taml" typeface="Latha"/>
-        <a:font script="Syrc" typeface="Estrangelo Edessa"/>
-        <a:font script="Orya" typeface="Kalinga"/>
-        <a:font script="Mlym" typeface="Kartika"/>
-        <a:font script="Laoo" typeface="DokChampa"/>
-        <a:font script="Sinh" typeface="Iskoola Pota"/>
-        <a:font script="Mong" typeface="Mongolian Baiti"/>
-        <a:font script="Viet" typeface="Times New Roman"/>
-        <a:font script="Uigh" typeface="Microsoft Uighur"/>
-        <a:font script="Geor" typeface="Sylfaen"/>
-      </a:majorFont>
-      <a:minorFont>
-        <a:latin typeface="Arial"/>
-        <a:ea typeface=""/>
-        <a:cs typeface=""/>
-        <a:font script="Jpan" typeface="ＭＳ Ｐゴシック"/>
-        <a:font script="Hang" typeface="맑은 고딕"/>
-        <a:font script="Hans" typeface="宋体"/>
-        <a:font script="Hant" typeface="新細明體"/>
-        <a:font script="Arab" typeface="Arial"/>
-        <a:font script="Hebr" typeface="Arial"/>
-        <a:font script="Thai" typeface="Cordia New"/>
-        <a:font script="Ethi" typeface="Nyala"/>
-        <a:font script="Beng" typeface="Vrinda"/>
-        <a:font script="Gujr" typeface="Shruti"/>
-        <a:font script="Khmr" typeface="DaunPenh"/>
-        <a:font script="Knda" typeface="Tunga"/>
-        <a:font script="Guru" typeface="Raavi"/>
-        <a:font script="Cans" typeface="Euphemia"/>
-        <a:font script="Cher" typeface="Plantagenet Cherokee"/>
-        <a:font script="Yiii" typeface="Microsoft Yi Baiti"/>
-        <a:font script="Tibt" typeface="Microsoft Himalaya"/>
-        <a:font script="Thaa" typeface="MV Boli"/>
-        <a:font script="Deva" typeface="Mangal"/>
-        <a:font script="Telu" typeface="Gautami"/>
-        <a:font script="Taml" typeface="Latha"/>
-        <a:font script="Syrc" typeface="Estrangelo Edessa"/>
-        <a:font script="Orya" typeface="Kalinga"/>
-        <a:font script="Mlym" typeface="Kartika"/>
-        <a:font script="Laoo" typeface="DokChampa"/>
-        <a:font script="Sinh" typeface="Iskoola Pota"/>
-        <a:font script="Mong" typeface="Mongolian Baiti"/>
-        <a:font script="Viet" typeface="Arial"/>
-        <a:font script="Uigh" typeface="Microsoft Uighur"/>
-        <a:font script="Geor" typeface="Sylfaen"/>
-      </a:minorFont>
-    </a:fontScheme>
-    <a:fmtScheme name="Office">
-      <a:fillStyleLst>
-        <a:solidFill>
-          <a:schemeClr val="phClr"/>
-        </a:solidFill>
-        <a:gradFill rotWithShape="1">
-          <a:gsLst>
-            <a:gs pos="0">
-              <a:schemeClr val="phClr">
-                <a:tint val="50000"/>
-                <a:satMod val="300000"/>
-              </a:schemeClr>
-            </a:gs>
-            <a:gs pos="35000">
-              <a:schemeClr val="phClr">
-                <a:tint val="37000"/>
-                <a:satMod val="300000"/>
-              </a:schemeClr>
-            </a:gs>
-            <a:gs pos="100000">
-              <a:schemeClr val="phClr">
-                <a:tint val="15000"/>
-                <a:satMod val="350000"/>
-              </a:schemeClr>
-            </a:gs>
-          </a:gsLst>
-          <a:lin ang="16200000" scaled="1"/>
-        </a:gradFill>
-        <a:gradFill rotWithShape="1">
-          <a:gsLst>
-            <a:gs pos="0">
-              <a:schemeClr val="phClr">
-                <a:tint val="100000"/>
-                <a:shade val="100000"/>
-                <a:satMod val="130000"/>
-              </a:schemeClr>
-            </a:gs>
-            <a:gs pos="100000">
-              <a:schemeClr val="phClr">
-                <a:tint val="50000"/>
-                <a:shade val="100000"/>
-                <a:satMod val="350000"/>
-              </a:schemeClr>
-            </a:gs>
-          </a:gsLst>
-          <a:lin ang="16200000" scaled="0"/>
-        </a:gradFill>
-      </a:fillStyleLst>
-      <a:lnStyleLst>
-        <a:ln w="9525" cap="flat" cmpd="sng" algn="ctr">
-          <a:solidFill>
-            <a:schemeClr val="phClr">
-              <a:shade val="95000"/>
-              <a:satMod val="105000"/>
-            </a:schemeClr>
-          </a:solidFill>
-          <a:prstDash val="solid"/>
-        </a:ln>
-        <a:ln w="25400" cap="flat" cmpd="sng" algn="ctr">
-          <a:solidFill>
-            <a:schemeClr val="phClr"/>
-          </a:solidFill>
-          <a:prstDash val="solid"/>
-        </a:ln>
-        <a:ln w="38100" cap="flat" cmpd="sng" algn="ctr">
-          <a:solidFill>
-            <a:schemeClr val="phClr"/>
-          </a:solidFill>
-          <a:prstDash val="solid"/>
-        </a:ln>
-      </a:lnStyleLst>
-      <a:effectStyleLst>
-        <a:effectStyle>
-          <a:effectLst>
-            <a:outerShdw blurRad="40000" dist="20000" dir="5400000" rotWithShape="0">
-              <a:srgbClr val="000000">
-                <a:alpha val="38000"/>
-              </a:srgbClr>
-            </a:outerShdw>
-          </a:effectLst>
-        </a:effectStyle>
-        <a:effectStyle>
-          <a:effectLst>
-            <a:outerShdw blurRad="40000" dist="23000" dir="5400000" rotWithShape="0">
-              <a:srgbClr val="000000">
-                <a:alpha val="35000"/>
-              </a:srgbClr>
-            </a:outerShdw>
-          </a:effectLst>
-        </a:effectStyle>
-        <a:effectStyle>
-          <a:effectLst>
-            <a:outerShdw blurRad="40000" dist="23000" dir="5400000" rotWithShape="0">
-              <a:srgbClr val="000000">
-                <a:alpha val="35000"/>
-              </a:srgbClr>
-            </a:outerShdw>
-          </a:effectLst>
-          <a:scene3d>
-            <a:camera prst="orthographicFront">
-              <a:rot lat="0" lon="0" rev="0"/>
-            </a:camera>
-            <a:lightRig rig="threePt" dir="t">
-              <a:rot lat="0" lon="0" rev="1200000"/>
-            </a:lightRig>
-          </a:scene3d>
-          <a:sp3d>
-            <a:bevelT w="63500" h="25400"/>
-          </a:sp3d>
-        </a:effectStyle>
-      </a:effectStyleLst>
-      <a:bgFillStyleLst>
-        <a:solidFill>
-          <a:schemeClr val="phClr"/>
-        </a:solidFill>
-        <a:gradFill rotWithShape="1">
-          <a:gsLst>
-            <a:gs pos="0">
-              <a:schemeClr val="phClr">
-                <a:tint val="40000"/>
-                <a:satMod val="350000"/>
-              </a:schemeClr>
-            </a:gs>
-            <a:gs pos="40000">
-              <a:schemeClr val="phClr">
-                <a:tint val="45000"/>
-                <a:shade val="99000"/>
-                <a:satMod val="350000"/>
-              </a:schemeClr>
-            </a:gs>
-            <a:gs pos="100000">
-              <a:schemeClr val="phClr">
-                <a:shade val="20000"/>
-                <a:satMod val="255000"/>
-              </a:schemeClr>
-            </a:gs>
-          </a:gsLst>
-          <a:path path="circle">
-            <a:fillToRect l="50000" t="-80000" r="50000" b="180000"/>
-          </a:path>
-        </a:gradFill>
-        <a:gradFill rotWithShape="1">
-          <a:gsLst>
-            <a:gs pos="0">
-              <a:schemeClr val="phClr">
-                <a:tint val="80000"/>
-                <a:satMod val="300000"/>
-              </a:schemeClr>
-            </a:gs>
-            <a:gs pos="100000">
-              <a:schemeClr val="phClr">
-                <a:shade val="30000"/>
-                <a:satMod val="200000"/>
-              </a:schemeClr>
-            </a:gs>
-          </a:gsLst>
-          <a:path path="circle">
-            <a:fillToRect l="50000" t="50000" r="50000" b="50000"/>
-          </a:path>
-        </a:gradFill>
-      </a:bgFillStyleLst>
-    </a:fmtScheme>
-  </a:themeElements>
-</a:theme>
 </file>
--- a/assets/files/Tema6/clustering/6.5 Clustering.pptx
+++ b/assets/files/Tema6/clustering/6.5 Clustering.pptx
@@ -2,40 +2,40 @@
 <file path=ppt/presentation.xml><?xml version="1.0" encoding="utf-8"?>
 <p:presentation xmlns:a="http://schemas.openxmlformats.org/drawingml/2006/main" xmlns:r="http://schemas.openxmlformats.org/officeDocument/2006/relationships" xmlns:mc="http://schemas.openxmlformats.org/markup-compatibility/2006" xmlns:mv="urn:schemas-microsoft-com:mac:vml" xmlns:p="http://schemas.openxmlformats.org/presentationml/2006/main" xmlns:c="http://schemas.openxmlformats.org/drawingml/2006/chart" xmlns:dgm="http://schemas.openxmlformats.org/drawingml/2006/diagram" xmlns:o="urn:schemas-microsoft-com:office:office" xmlns:v="urn:schemas-microsoft-com:vml" xmlns:pvml="urn:schemas-microsoft-com:office:powerpoint" xmlns:com="http://schemas.openxmlformats.org/drawingml/2006/compatibility" xmlns:p14="http://schemas.microsoft.com/office/powerpoint/2010/main" xmlns:p15="http://schemas.microsoft.com/office/powerpoint/2012/main" xmlns:ahyp="http://schemas.microsoft.com/office/drawing/2018/hyperlinkcolor" autoCompressPictures="0" embedTrueTypeFonts="1" strictFirstAndLastChars="0" saveSubsetFonts="1">
   <p:sldMasterIdLst>
-    <p:sldMasterId id="2147483659" r:id="rId4"/>
+    <p:sldMasterId id="2147483659" r:id="rId5"/>
   </p:sldMasterIdLst>
   <p:notesMasterIdLst>
-    <p:notesMasterId r:id="rId5"/>
+    <p:notesMasterId r:id="rId6"/>
   </p:notesMasterIdLst>
   <p:sldIdLst>
-    <p:sldId id="256" r:id="rId6"/>
-    <p:sldId id="257" r:id="rId7"/>
-    <p:sldId id="258" r:id="rId8"/>
-    <p:sldId id="259" r:id="rId9"/>
-    <p:sldId id="260" r:id="rId10"/>
-    <p:sldId id="261" r:id="rId11"/>
-    <p:sldId id="262" r:id="rId12"/>
-    <p:sldId id="263" r:id="rId13"/>
-    <p:sldId id="264" r:id="rId14"/>
-    <p:sldId id="265" r:id="rId15"/>
-    <p:sldId id="266" r:id="rId16"/>
-    <p:sldId id="267" r:id="rId17"/>
-    <p:sldId id="268" r:id="rId18"/>
+    <p:sldId id="256" r:id="rId7"/>
+    <p:sldId id="257" r:id="rId8"/>
+    <p:sldId id="258" r:id="rId9"/>
+    <p:sldId id="259" r:id="rId10"/>
+    <p:sldId id="260" r:id="rId11"/>
+    <p:sldId id="261" r:id="rId12"/>
+    <p:sldId id="262" r:id="rId13"/>
+    <p:sldId id="263" r:id="rId14"/>
+    <p:sldId id="264" r:id="rId15"/>
+    <p:sldId id="265" r:id="rId16"/>
+    <p:sldId id="266" r:id="rId17"/>
+    <p:sldId id="267" r:id="rId18"/>
+    <p:sldId id="268" r:id="rId19"/>
   </p:sldIdLst>
   <p:sldSz cy="5143500" cx="9144000"/>
   <p:notesSz cx="6858000" cy="9144000"/>
   <p:embeddedFontLst>
     <p:embeddedFont>
       <p:font typeface="Amatic SC"/>
-      <p:regular r:id="rId19"/>
-      <p:bold r:id="rId20"/>
+      <p:regular r:id="rId20"/>
+      <p:bold r:id="rId21"/>
     </p:embeddedFont>
     <p:embeddedFont>
       <p:font typeface="Source Code Pro"/>
-      <p:regular r:id="rId21"/>
-      <p:bold r:id="rId22"/>
-      <p:italic r:id="rId23"/>
-      <p:boldItalic r:id="rId24"/>
+      <p:regular r:id="rId22"/>
+      <p:bold r:id="rId23"/>
+      <p:italic r:id="rId24"/>
+      <p:boldItalic r:id="rId25"/>
     </p:embeddedFont>
   </p:embeddedFontLst>
   <p:defaultTextStyle>
@@ -816,7 +816,7 @@
   <p:cSld>
     <p:spTree>
       <p:nvGrpSpPr>
-        <p:cNvPr id="113" name="Shape 113"/>
+        <p:cNvPr id="132" name="Shape 132"/>
         <p:cNvGrpSpPr/>
         <p:nvPr/>
       </p:nvGrpSpPr>
@@ -830,7 +830,7 @@
       </p:grpSpPr>
       <p:sp>
         <p:nvSpPr>
-          <p:cNvPr id="114" name="Google Shape;114;gc6f59039d_0_20:notes"/>
+          <p:cNvPr id="133" name="Google Shape;133;gb1920bf474_0_22:notes"/>
           <p:cNvSpPr/>
           <p:nvPr>
             <p:ph idx="2" type="sldImg"/>
@@ -865,7 +865,7 @@
       </p:sp>
       <p:sp>
         <p:nvSpPr>
-          <p:cNvPr id="115" name="Google Shape;115;gc6f59039d_0_20:notes"/>
+          <p:cNvPr id="134" name="Google Shape;134;gb1920bf474_0_22:notes"/>
           <p:cNvSpPr txBox="1"/>
           <p:nvPr>
             <p:ph idx="1" type="body"/>
@@ -915,7 +915,7 @@
   <p:cSld>
     <p:spTree>
       <p:nvGrpSpPr>
-        <p:cNvPr id="118" name="Shape 118"/>
+        <p:cNvPr id="141" name="Shape 141"/>
         <p:cNvGrpSpPr/>
         <p:nvPr/>
       </p:nvGrpSpPr>
@@ -929,7 +929,7 @@
       </p:grpSpPr>
       <p:sp>
         <p:nvSpPr>
-          <p:cNvPr id="119" name="Google Shape;119;gb1920bf474_0_49:notes"/>
+          <p:cNvPr id="142" name="Google Shape;142;gb1920bf474_0_31:notes"/>
           <p:cNvSpPr/>
           <p:nvPr>
             <p:ph idx="2" type="sldImg"/>
@@ -964,7 +964,7 @@
       </p:sp>
       <p:sp>
         <p:nvSpPr>
-          <p:cNvPr id="120" name="Google Shape;120;gb1920bf474_0_49:notes"/>
+          <p:cNvPr id="143" name="Google Shape;143;gb1920bf474_0_31:notes"/>
           <p:cNvSpPr txBox="1"/>
           <p:nvPr>
             <p:ph idx="1" type="body"/>
@@ -1014,7 +1014,7 @@
   <p:cSld>
     <p:spTree>
       <p:nvGrpSpPr>
-        <p:cNvPr id="125" name="Shape 125"/>
+        <p:cNvPr id="149" name="Shape 149"/>
         <p:cNvGrpSpPr/>
         <p:nvPr/>
       </p:nvGrpSpPr>
@@ -1028,7 +1028,7 @@
       </p:grpSpPr>
       <p:sp>
         <p:nvSpPr>
-          <p:cNvPr id="126" name="Google Shape;126;gb1920bf474_0_54:notes"/>
+          <p:cNvPr id="150" name="Google Shape;150;gb1920bf474_0_54:notes"/>
           <p:cNvSpPr/>
           <p:nvPr>
             <p:ph idx="2" type="sldImg"/>
@@ -1063,7 +1063,7 @@
       </p:sp>
       <p:sp>
         <p:nvSpPr>
-          <p:cNvPr id="127" name="Google Shape;127;gb1920bf474_0_54:notes"/>
+          <p:cNvPr id="151" name="Google Shape;151;gb1920bf474_0_54:notes"/>
           <p:cNvSpPr txBox="1"/>
           <p:nvPr>
             <p:ph idx="1" type="body"/>
@@ -1113,7 +1113,7 @@
   <p:cSld>
     <p:spTree>
       <p:nvGrpSpPr>
-        <p:cNvPr id="130" name="Shape 130"/>
+        <p:cNvPr id="154" name="Shape 154"/>
         <p:cNvGrpSpPr/>
         <p:nvPr/>
       </p:nvGrpSpPr>
@@ -1127,7 +1127,7 @@
       </p:grpSpPr>
       <p:sp>
         <p:nvSpPr>
-          <p:cNvPr id="131" name="Google Shape;131;gb1920bf474_0_58:notes"/>
+          <p:cNvPr id="155" name="Google Shape;155;gb1920bf474_0_58:notes"/>
           <p:cNvSpPr/>
           <p:nvPr>
             <p:ph idx="2" type="sldImg"/>
@@ -1162,7 +1162,7 @@
       </p:sp>
       <p:sp>
         <p:nvSpPr>
-          <p:cNvPr id="132" name="Google Shape;132;gb1920bf474_0_58:notes"/>
+          <p:cNvPr id="156" name="Google Shape;156;gb1920bf474_0_58:notes"/>
           <p:cNvSpPr txBox="1"/>
           <p:nvPr>
             <p:ph idx="1" type="body"/>
@@ -1311,7 +1311,7 @@
   <p:cSld>
     <p:spTree>
       <p:nvGrpSpPr>
-        <p:cNvPr id="65" name="Shape 65"/>
+        <p:cNvPr id="64" name="Shape 64"/>
         <p:cNvGrpSpPr/>
         <p:nvPr/>
       </p:nvGrpSpPr>
@@ -1325,7 +1325,7 @@
       </p:grpSpPr>
       <p:sp>
         <p:nvSpPr>
-          <p:cNvPr id="66" name="Google Shape;66;gb1920bf474_0_2:notes"/>
+          <p:cNvPr id="65" name="Google Shape;65;gbee0b24306_0_0:notes"/>
           <p:cNvSpPr/>
           <p:nvPr>
             <p:ph idx="2" type="sldImg"/>
@@ -1360,7 +1360,7 @@
       </p:sp>
       <p:sp>
         <p:nvSpPr>
-          <p:cNvPr id="67" name="Google Shape;67;gb1920bf474_0_2:notes"/>
+          <p:cNvPr id="66" name="Google Shape;66;gbee0b24306_0_0:notes"/>
           <p:cNvSpPr txBox="1"/>
           <p:nvPr>
             <p:ph idx="1" type="body"/>
@@ -1410,7 +1410,7 @@
   <p:cSld>
     <p:spTree>
       <p:nvGrpSpPr>
-        <p:cNvPr id="73" name="Shape 73"/>
+        <p:cNvPr id="71" name="Shape 71"/>
         <p:cNvGrpSpPr/>
         <p:nvPr/>
       </p:nvGrpSpPr>
@@ -1424,7 +1424,7 @@
       </p:grpSpPr>
       <p:sp>
         <p:nvSpPr>
-          <p:cNvPr id="74" name="Google Shape;74;gb1920bf474_0_13:notes"/>
+          <p:cNvPr id="72" name="Google Shape;72;gbee0b24306_0_7:notes"/>
           <p:cNvSpPr/>
           <p:nvPr>
             <p:ph idx="2" type="sldImg"/>
@@ -1459,7 +1459,7 @@
       </p:sp>
       <p:sp>
         <p:nvSpPr>
-          <p:cNvPr id="75" name="Google Shape;75;gb1920bf474_0_13:notes"/>
+          <p:cNvPr id="73" name="Google Shape;73;gbee0b24306_0_7:notes"/>
           <p:cNvSpPr txBox="1"/>
           <p:nvPr>
             <p:ph idx="1" type="body"/>
@@ -1509,7 +1509,7 @@
   <p:cSld>
     <p:spTree>
       <p:nvGrpSpPr>
-        <p:cNvPr id="80" name="Shape 80"/>
+        <p:cNvPr id="99" name="Shape 99"/>
         <p:cNvGrpSpPr/>
         <p:nvPr/>
       </p:nvGrpSpPr>
@@ -1523,7 +1523,7 @@
       </p:grpSpPr>
       <p:sp>
         <p:nvSpPr>
-          <p:cNvPr id="81" name="Google Shape;81;gb1920bf474_0_22:notes"/>
+          <p:cNvPr id="100" name="Google Shape;100;gb1920bf474_0_2:notes"/>
           <p:cNvSpPr/>
           <p:nvPr>
             <p:ph idx="2" type="sldImg"/>
@@ -1558,7 +1558,7 @@
       </p:sp>
       <p:sp>
         <p:nvSpPr>
-          <p:cNvPr id="82" name="Google Shape;82;gb1920bf474_0_22:notes"/>
+          <p:cNvPr id="101" name="Google Shape;101;gb1920bf474_0_2:notes"/>
           <p:cNvSpPr txBox="1"/>
           <p:nvPr>
             <p:ph idx="1" type="body"/>
@@ -1604,303 +1604,6 @@
 </file>
 
 <file path=ppt/notesSlides/notesSlide6.xml><?xml version="1.0" encoding="utf-8"?>
-<p:notes xmlns:a="http://schemas.openxmlformats.org/drawingml/2006/main" xmlns:r="http://schemas.openxmlformats.org/officeDocument/2006/relationships" xmlns:mc="http://schemas.openxmlformats.org/markup-compatibility/2006" xmlns:mv="urn:schemas-microsoft-com:mac:vml" xmlns:p="http://schemas.openxmlformats.org/presentationml/2006/main" xmlns:c="http://schemas.openxmlformats.org/drawingml/2006/chart" xmlns:dgm="http://schemas.openxmlformats.org/drawingml/2006/diagram" xmlns:o="urn:schemas-microsoft-com:office:office" xmlns:v="urn:schemas-microsoft-com:vml" xmlns:pvml="urn:schemas-microsoft-com:office:powerpoint" xmlns:com="http://schemas.openxmlformats.org/drawingml/2006/compatibility" xmlns:p14="http://schemas.microsoft.com/office/powerpoint/2010/main" xmlns:p15="http://schemas.microsoft.com/office/powerpoint/2012/main" xmlns:ahyp="http://schemas.microsoft.com/office/drawing/2018/hyperlinkcolor" showMasterPhAnim="0" showMasterSp="0">
-  <p:cSld>
-    <p:spTree>
-      <p:nvGrpSpPr>
-        <p:cNvPr id="89" name="Shape 89"/>
-        <p:cNvGrpSpPr/>
-        <p:nvPr/>
-      </p:nvGrpSpPr>
-      <p:grpSpPr>
-        <a:xfrm>
-          <a:off x="0" y="0"/>
-          <a:ext cx="0" cy="0"/>
-          <a:chOff x="0" y="0"/>
-          <a:chExt cx="0" cy="0"/>
-        </a:xfrm>
-      </p:grpSpPr>
-      <p:sp>
-        <p:nvSpPr>
-          <p:cNvPr id="90" name="Google Shape;90;gb255e934bc_0_0:notes"/>
-          <p:cNvSpPr/>
-          <p:nvPr>
-            <p:ph idx="2" type="sldImg"/>
-          </p:nvPr>
-        </p:nvSpPr>
-        <p:spPr>
-          <a:xfrm>
-            <a:off x="381188" y="685800"/>
-            <a:ext cx="6096300" cy="3429000"/>
-          </a:xfrm>
-          <a:custGeom>
-            <a:rect b="b" l="l" r="r" t="t"/>
-            <a:pathLst>
-              <a:path extrusionOk="0" h="120000" w="120000">
-                <a:moveTo>
-                  <a:pt x="0" y="0"/>
-                </a:moveTo>
-                <a:lnTo>
-                  <a:pt x="120000" y="0"/>
-                </a:lnTo>
-                <a:lnTo>
-                  <a:pt x="120000" y="120000"/>
-                </a:lnTo>
-                <a:lnTo>
-                  <a:pt x="0" y="120000"/>
-                </a:lnTo>
-                <a:close/>
-              </a:path>
-            </a:pathLst>
-          </a:custGeom>
-        </p:spPr>
-      </p:sp>
-      <p:sp>
-        <p:nvSpPr>
-          <p:cNvPr id="91" name="Google Shape;91;gb255e934bc_0_0:notes"/>
-          <p:cNvSpPr txBox="1"/>
-          <p:nvPr>
-            <p:ph idx="1" type="body"/>
-          </p:nvPr>
-        </p:nvSpPr>
-        <p:spPr>
-          <a:xfrm>
-            <a:off x="685800" y="4343400"/>
-            <a:ext cx="5486400" cy="4114800"/>
-          </a:xfrm>
-          <a:prstGeom prst="rect">
-            <a:avLst/>
-          </a:prstGeom>
-        </p:spPr>
-        <p:txBody>
-          <a:bodyPr anchorCtr="0" anchor="t" bIns="91425" lIns="91425" spcFirstLastPara="1" rIns="91425" wrap="square" tIns="91425">
-            <a:noAutofit/>
-          </a:bodyPr>
-          <a:lstStyle/>
-          <a:p>
-            <a:pPr indent="0" lvl="0" marL="0" rtl="0" algn="l">
-              <a:spcBef>
-                <a:spcPts val="0"/>
-              </a:spcBef>
-              <a:spcAft>
-                <a:spcPts val="0"/>
-              </a:spcAft>
-              <a:buNone/>
-            </a:pPr>
-            <a:r>
-              <a:t/>
-            </a:r>
-            <a:endParaRPr/>
-          </a:p>
-        </p:txBody>
-      </p:sp>
-    </p:spTree>
-  </p:cSld>
-  <p:clrMapOvr>
-    <a:masterClrMapping/>
-  </p:clrMapOvr>
-</p:notes>
-</file>
-
-<file path=ppt/notesSlides/notesSlide7.xml><?xml version="1.0" encoding="utf-8"?>
-<p:notes xmlns:a="http://schemas.openxmlformats.org/drawingml/2006/main" xmlns:r="http://schemas.openxmlformats.org/officeDocument/2006/relationships" xmlns:mc="http://schemas.openxmlformats.org/markup-compatibility/2006" xmlns:mv="urn:schemas-microsoft-com:mac:vml" xmlns:p="http://schemas.openxmlformats.org/presentationml/2006/main" xmlns:c="http://schemas.openxmlformats.org/drawingml/2006/chart" xmlns:dgm="http://schemas.openxmlformats.org/drawingml/2006/diagram" xmlns:o="urn:schemas-microsoft-com:office:office" xmlns:v="urn:schemas-microsoft-com:vml" xmlns:pvml="urn:schemas-microsoft-com:office:powerpoint" xmlns:com="http://schemas.openxmlformats.org/drawingml/2006/compatibility" xmlns:p14="http://schemas.microsoft.com/office/powerpoint/2010/main" xmlns:p15="http://schemas.microsoft.com/office/powerpoint/2012/main" xmlns:ahyp="http://schemas.microsoft.com/office/drawing/2018/hyperlinkcolor" showMasterPhAnim="0" showMasterSp="0">
-  <p:cSld>
-    <p:spTree>
-      <p:nvGrpSpPr>
-        <p:cNvPr id="94" name="Shape 94"/>
-        <p:cNvGrpSpPr/>
-        <p:nvPr/>
-      </p:nvGrpSpPr>
-      <p:grpSpPr>
-        <a:xfrm>
-          <a:off x="0" y="0"/>
-          <a:ext cx="0" cy="0"/>
-          <a:chOff x="0" y="0"/>
-          <a:chExt cx="0" cy="0"/>
-        </a:xfrm>
-      </p:grpSpPr>
-      <p:sp>
-        <p:nvSpPr>
-          <p:cNvPr id="95" name="Google Shape;95;gb255e934bc_0_8:notes"/>
-          <p:cNvSpPr/>
-          <p:nvPr>
-            <p:ph idx="2" type="sldImg"/>
-          </p:nvPr>
-        </p:nvSpPr>
-        <p:spPr>
-          <a:xfrm>
-            <a:off x="381188" y="685800"/>
-            <a:ext cx="6096300" cy="3429000"/>
-          </a:xfrm>
-          <a:custGeom>
-            <a:rect b="b" l="l" r="r" t="t"/>
-            <a:pathLst>
-              <a:path extrusionOk="0" h="120000" w="120000">
-                <a:moveTo>
-                  <a:pt x="0" y="0"/>
-                </a:moveTo>
-                <a:lnTo>
-                  <a:pt x="120000" y="0"/>
-                </a:lnTo>
-                <a:lnTo>
-                  <a:pt x="120000" y="120000"/>
-                </a:lnTo>
-                <a:lnTo>
-                  <a:pt x="0" y="120000"/>
-                </a:lnTo>
-                <a:close/>
-              </a:path>
-            </a:pathLst>
-          </a:custGeom>
-        </p:spPr>
-      </p:sp>
-      <p:sp>
-        <p:nvSpPr>
-          <p:cNvPr id="96" name="Google Shape;96;gb255e934bc_0_8:notes"/>
-          <p:cNvSpPr txBox="1"/>
-          <p:nvPr>
-            <p:ph idx="1" type="body"/>
-          </p:nvPr>
-        </p:nvSpPr>
-        <p:spPr>
-          <a:xfrm>
-            <a:off x="685800" y="4343400"/>
-            <a:ext cx="5486400" cy="4114800"/>
-          </a:xfrm>
-          <a:prstGeom prst="rect">
-            <a:avLst/>
-          </a:prstGeom>
-        </p:spPr>
-        <p:txBody>
-          <a:bodyPr anchorCtr="0" anchor="t" bIns="91425" lIns="91425" spcFirstLastPara="1" rIns="91425" wrap="square" tIns="91425">
-            <a:noAutofit/>
-          </a:bodyPr>
-          <a:lstStyle/>
-          <a:p>
-            <a:pPr indent="0" lvl="0" marL="0" rtl="0" algn="l">
-              <a:spcBef>
-                <a:spcPts val="0"/>
-              </a:spcBef>
-              <a:spcAft>
-                <a:spcPts val="0"/>
-              </a:spcAft>
-              <a:buNone/>
-            </a:pPr>
-            <a:r>
-              <a:t/>
-            </a:r>
-            <a:endParaRPr/>
-          </a:p>
-        </p:txBody>
-      </p:sp>
-    </p:spTree>
-  </p:cSld>
-  <p:clrMapOvr>
-    <a:masterClrMapping/>
-  </p:clrMapOvr>
-</p:notes>
-</file>
-
-<file path=ppt/notesSlides/notesSlide8.xml><?xml version="1.0" encoding="utf-8"?>
-<p:notes xmlns:a="http://schemas.openxmlformats.org/drawingml/2006/main" xmlns:r="http://schemas.openxmlformats.org/officeDocument/2006/relationships" xmlns:mc="http://schemas.openxmlformats.org/markup-compatibility/2006" xmlns:mv="urn:schemas-microsoft-com:mac:vml" xmlns:p="http://schemas.openxmlformats.org/presentationml/2006/main" xmlns:c="http://schemas.openxmlformats.org/drawingml/2006/chart" xmlns:dgm="http://schemas.openxmlformats.org/drawingml/2006/diagram" xmlns:o="urn:schemas-microsoft-com:office:office" xmlns:v="urn:schemas-microsoft-com:vml" xmlns:pvml="urn:schemas-microsoft-com:office:powerpoint" xmlns:com="http://schemas.openxmlformats.org/drawingml/2006/compatibility" xmlns:p14="http://schemas.microsoft.com/office/powerpoint/2010/main" xmlns:p15="http://schemas.microsoft.com/office/powerpoint/2012/main" xmlns:ahyp="http://schemas.microsoft.com/office/drawing/2018/hyperlinkcolor" showMasterPhAnim="0" showMasterSp="0">
-  <p:cSld>
-    <p:spTree>
-      <p:nvGrpSpPr>
-        <p:cNvPr id="99" name="Shape 99"/>
-        <p:cNvGrpSpPr/>
-        <p:nvPr/>
-      </p:nvGrpSpPr>
-      <p:grpSpPr>
-        <a:xfrm>
-          <a:off x="0" y="0"/>
-          <a:ext cx="0" cy="0"/>
-          <a:chOff x="0" y="0"/>
-          <a:chExt cx="0" cy="0"/>
-        </a:xfrm>
-      </p:grpSpPr>
-      <p:sp>
-        <p:nvSpPr>
-          <p:cNvPr id="100" name="Google Shape;100;gb1920bf474_0_31:notes"/>
-          <p:cNvSpPr/>
-          <p:nvPr>
-            <p:ph idx="2" type="sldImg"/>
-          </p:nvPr>
-        </p:nvSpPr>
-        <p:spPr>
-          <a:xfrm>
-            <a:off x="381188" y="685800"/>
-            <a:ext cx="6096300" cy="3429000"/>
-          </a:xfrm>
-          <a:custGeom>
-            <a:rect b="b" l="l" r="r" t="t"/>
-            <a:pathLst>
-              <a:path extrusionOk="0" h="120000" w="120000">
-                <a:moveTo>
-                  <a:pt x="0" y="0"/>
-                </a:moveTo>
-                <a:lnTo>
-                  <a:pt x="120000" y="0"/>
-                </a:lnTo>
-                <a:lnTo>
-                  <a:pt x="120000" y="120000"/>
-                </a:lnTo>
-                <a:lnTo>
-                  <a:pt x="0" y="120000"/>
-                </a:lnTo>
-                <a:close/>
-              </a:path>
-            </a:pathLst>
-          </a:custGeom>
-        </p:spPr>
-      </p:sp>
-      <p:sp>
-        <p:nvSpPr>
-          <p:cNvPr id="101" name="Google Shape;101;gb1920bf474_0_31:notes"/>
-          <p:cNvSpPr txBox="1"/>
-          <p:nvPr>
-            <p:ph idx="1" type="body"/>
-          </p:nvPr>
-        </p:nvSpPr>
-        <p:spPr>
-          <a:xfrm>
-            <a:off x="685800" y="4343400"/>
-            <a:ext cx="5486400" cy="4114800"/>
-          </a:xfrm>
-          <a:prstGeom prst="rect">
-            <a:avLst/>
-          </a:prstGeom>
-        </p:spPr>
-        <p:txBody>
-          <a:bodyPr anchorCtr="0" anchor="t" bIns="91425" lIns="91425" spcFirstLastPara="1" rIns="91425" wrap="square" tIns="91425">
-            <a:noAutofit/>
-          </a:bodyPr>
-          <a:lstStyle/>
-          <a:p>
-            <a:pPr indent="0" lvl="0" marL="0" rtl="0" algn="l">
-              <a:spcBef>
-                <a:spcPts val="0"/>
-              </a:spcBef>
-              <a:spcAft>
-                <a:spcPts val="0"/>
-              </a:spcAft>
-              <a:buNone/>
-            </a:pPr>
-            <a:r>
-              <a:t/>
-            </a:r>
-            <a:endParaRPr/>
-          </a:p>
-        </p:txBody>
-      </p:sp>
-    </p:spTree>
-  </p:cSld>
-  <p:clrMapOvr>
-    <a:masterClrMapping/>
-  </p:clrMapOvr>
-</p:notes>
-</file>
-
-<file path=ppt/notesSlides/notesSlide9.xml><?xml version="1.0" encoding="utf-8"?>
 <p:notes xmlns:a="http://schemas.openxmlformats.org/drawingml/2006/main" xmlns:r="http://schemas.openxmlformats.org/officeDocument/2006/relationships" xmlns:mc="http://schemas.openxmlformats.org/markup-compatibility/2006" xmlns:mv="urn:schemas-microsoft-com:mac:vml" xmlns:p="http://schemas.openxmlformats.org/presentationml/2006/main" xmlns:c="http://schemas.openxmlformats.org/drawingml/2006/chart" xmlns:dgm="http://schemas.openxmlformats.org/drawingml/2006/diagram" xmlns:o="urn:schemas-microsoft-com:office:office" xmlns:v="urn:schemas-microsoft-com:vml" xmlns:pvml="urn:schemas-microsoft-com:office:powerpoint" xmlns:com="http://schemas.openxmlformats.org/drawingml/2006/compatibility" xmlns:p14="http://schemas.microsoft.com/office/powerpoint/2010/main" xmlns:p15="http://schemas.microsoft.com/office/powerpoint/2012/main" xmlns:ahyp="http://schemas.microsoft.com/office/drawing/2018/hyperlinkcolor" showMasterPhAnim="0" showMasterSp="0">
   <p:cSld>
     <p:spTree>
@@ -1955,6 +1658,303 @@
       <p:sp>
         <p:nvSpPr>
           <p:cNvPr id="109" name="Google Shape;109;gb1920bf474_0_41:notes"/>
+          <p:cNvSpPr txBox="1"/>
+          <p:nvPr>
+            <p:ph idx="1" type="body"/>
+          </p:nvPr>
+        </p:nvSpPr>
+        <p:spPr>
+          <a:xfrm>
+            <a:off x="685800" y="4343400"/>
+            <a:ext cx="5486400" cy="4114800"/>
+          </a:xfrm>
+          <a:prstGeom prst="rect">
+            <a:avLst/>
+          </a:prstGeom>
+        </p:spPr>
+        <p:txBody>
+          <a:bodyPr anchorCtr="0" anchor="t" bIns="91425" lIns="91425" spcFirstLastPara="1" rIns="91425" wrap="square" tIns="91425">
+            <a:noAutofit/>
+          </a:bodyPr>
+          <a:lstStyle/>
+          <a:p>
+            <a:pPr indent="0" lvl="0" marL="0" rtl="0" algn="l">
+              <a:spcBef>
+                <a:spcPts val="0"/>
+              </a:spcBef>
+              <a:spcAft>
+                <a:spcPts val="0"/>
+              </a:spcAft>
+              <a:buNone/>
+            </a:pPr>
+            <a:r>
+              <a:t/>
+            </a:r>
+            <a:endParaRPr/>
+          </a:p>
+        </p:txBody>
+      </p:sp>
+    </p:spTree>
+  </p:cSld>
+  <p:clrMapOvr>
+    <a:masterClrMapping/>
+  </p:clrMapOvr>
+</p:notes>
+</file>
+
+<file path=ppt/notesSlides/notesSlide7.xml><?xml version="1.0" encoding="utf-8"?>
+<p:notes xmlns:a="http://schemas.openxmlformats.org/drawingml/2006/main" xmlns:r="http://schemas.openxmlformats.org/officeDocument/2006/relationships" xmlns:mc="http://schemas.openxmlformats.org/markup-compatibility/2006" xmlns:mv="urn:schemas-microsoft-com:mac:vml" xmlns:p="http://schemas.openxmlformats.org/presentationml/2006/main" xmlns:c="http://schemas.openxmlformats.org/drawingml/2006/chart" xmlns:dgm="http://schemas.openxmlformats.org/drawingml/2006/diagram" xmlns:o="urn:schemas-microsoft-com:office:office" xmlns:v="urn:schemas-microsoft-com:vml" xmlns:pvml="urn:schemas-microsoft-com:office:powerpoint" xmlns:com="http://schemas.openxmlformats.org/drawingml/2006/compatibility" xmlns:p14="http://schemas.microsoft.com/office/powerpoint/2010/main" xmlns:p15="http://schemas.microsoft.com/office/powerpoint/2012/main" xmlns:ahyp="http://schemas.microsoft.com/office/drawing/2018/hyperlinkcolor" showMasterPhAnim="0" showMasterSp="0">
+  <p:cSld>
+    <p:spTree>
+      <p:nvGrpSpPr>
+        <p:cNvPr id="113" name="Shape 113"/>
+        <p:cNvGrpSpPr/>
+        <p:nvPr/>
+      </p:nvGrpSpPr>
+      <p:grpSpPr>
+        <a:xfrm>
+          <a:off x="0" y="0"/>
+          <a:ext cx="0" cy="0"/>
+          <a:chOff x="0" y="0"/>
+          <a:chExt cx="0" cy="0"/>
+        </a:xfrm>
+      </p:grpSpPr>
+      <p:sp>
+        <p:nvSpPr>
+          <p:cNvPr id="114" name="Google Shape;114;gc6f59039d_0_20:notes"/>
+          <p:cNvSpPr/>
+          <p:nvPr>
+            <p:ph idx="2" type="sldImg"/>
+          </p:nvPr>
+        </p:nvSpPr>
+        <p:spPr>
+          <a:xfrm>
+            <a:off x="381188" y="685800"/>
+            <a:ext cx="6096300" cy="3429000"/>
+          </a:xfrm>
+          <a:custGeom>
+            <a:rect b="b" l="l" r="r" t="t"/>
+            <a:pathLst>
+              <a:path extrusionOk="0" h="120000" w="120000">
+                <a:moveTo>
+                  <a:pt x="0" y="0"/>
+                </a:moveTo>
+                <a:lnTo>
+                  <a:pt x="120000" y="0"/>
+                </a:lnTo>
+                <a:lnTo>
+                  <a:pt x="120000" y="120000"/>
+                </a:lnTo>
+                <a:lnTo>
+                  <a:pt x="0" y="120000"/>
+                </a:lnTo>
+                <a:close/>
+              </a:path>
+            </a:pathLst>
+          </a:custGeom>
+        </p:spPr>
+      </p:sp>
+      <p:sp>
+        <p:nvSpPr>
+          <p:cNvPr id="115" name="Google Shape;115;gc6f59039d_0_20:notes"/>
+          <p:cNvSpPr txBox="1"/>
+          <p:nvPr>
+            <p:ph idx="1" type="body"/>
+          </p:nvPr>
+        </p:nvSpPr>
+        <p:spPr>
+          <a:xfrm>
+            <a:off x="685800" y="4343400"/>
+            <a:ext cx="5486400" cy="4114800"/>
+          </a:xfrm>
+          <a:prstGeom prst="rect">
+            <a:avLst/>
+          </a:prstGeom>
+        </p:spPr>
+        <p:txBody>
+          <a:bodyPr anchorCtr="0" anchor="t" bIns="91425" lIns="91425" spcFirstLastPara="1" rIns="91425" wrap="square" tIns="91425">
+            <a:noAutofit/>
+          </a:bodyPr>
+          <a:lstStyle/>
+          <a:p>
+            <a:pPr indent="0" lvl="0" marL="0" rtl="0" algn="l">
+              <a:spcBef>
+                <a:spcPts val="0"/>
+              </a:spcBef>
+              <a:spcAft>
+                <a:spcPts val="0"/>
+              </a:spcAft>
+              <a:buNone/>
+            </a:pPr>
+            <a:r>
+              <a:t/>
+            </a:r>
+            <a:endParaRPr/>
+          </a:p>
+        </p:txBody>
+      </p:sp>
+    </p:spTree>
+  </p:cSld>
+  <p:clrMapOvr>
+    <a:masterClrMapping/>
+  </p:clrMapOvr>
+</p:notes>
+</file>
+
+<file path=ppt/notesSlides/notesSlide8.xml><?xml version="1.0" encoding="utf-8"?>
+<p:notes xmlns:a="http://schemas.openxmlformats.org/drawingml/2006/main" xmlns:r="http://schemas.openxmlformats.org/officeDocument/2006/relationships" xmlns:mc="http://schemas.openxmlformats.org/markup-compatibility/2006" xmlns:mv="urn:schemas-microsoft-com:mac:vml" xmlns:p="http://schemas.openxmlformats.org/presentationml/2006/main" xmlns:c="http://schemas.openxmlformats.org/drawingml/2006/chart" xmlns:dgm="http://schemas.openxmlformats.org/drawingml/2006/diagram" xmlns:o="urn:schemas-microsoft-com:office:office" xmlns:v="urn:schemas-microsoft-com:vml" xmlns:pvml="urn:schemas-microsoft-com:office:powerpoint" xmlns:com="http://schemas.openxmlformats.org/drawingml/2006/compatibility" xmlns:p14="http://schemas.microsoft.com/office/powerpoint/2010/main" xmlns:p15="http://schemas.microsoft.com/office/powerpoint/2012/main" xmlns:ahyp="http://schemas.microsoft.com/office/drawing/2018/hyperlinkcolor" showMasterPhAnim="0" showMasterSp="0">
+  <p:cSld>
+    <p:spTree>
+      <p:nvGrpSpPr>
+        <p:cNvPr id="118" name="Shape 118"/>
+        <p:cNvGrpSpPr/>
+        <p:nvPr/>
+      </p:nvGrpSpPr>
+      <p:grpSpPr>
+        <a:xfrm>
+          <a:off x="0" y="0"/>
+          <a:ext cx="0" cy="0"/>
+          <a:chOff x="0" y="0"/>
+          <a:chExt cx="0" cy="0"/>
+        </a:xfrm>
+      </p:grpSpPr>
+      <p:sp>
+        <p:nvSpPr>
+          <p:cNvPr id="119" name="Google Shape;119;gb1920bf474_0_49:notes"/>
+          <p:cNvSpPr/>
+          <p:nvPr>
+            <p:ph idx="2" type="sldImg"/>
+          </p:nvPr>
+        </p:nvSpPr>
+        <p:spPr>
+          <a:xfrm>
+            <a:off x="381188" y="685800"/>
+            <a:ext cx="6096300" cy="3429000"/>
+          </a:xfrm>
+          <a:custGeom>
+            <a:rect b="b" l="l" r="r" t="t"/>
+            <a:pathLst>
+              <a:path extrusionOk="0" h="120000" w="120000">
+                <a:moveTo>
+                  <a:pt x="0" y="0"/>
+                </a:moveTo>
+                <a:lnTo>
+                  <a:pt x="120000" y="0"/>
+                </a:lnTo>
+                <a:lnTo>
+                  <a:pt x="120000" y="120000"/>
+                </a:lnTo>
+                <a:lnTo>
+                  <a:pt x="0" y="120000"/>
+                </a:lnTo>
+                <a:close/>
+              </a:path>
+            </a:pathLst>
+          </a:custGeom>
+        </p:spPr>
+      </p:sp>
+      <p:sp>
+        <p:nvSpPr>
+          <p:cNvPr id="120" name="Google Shape;120;gb1920bf474_0_49:notes"/>
+          <p:cNvSpPr txBox="1"/>
+          <p:nvPr>
+            <p:ph idx="1" type="body"/>
+          </p:nvPr>
+        </p:nvSpPr>
+        <p:spPr>
+          <a:xfrm>
+            <a:off x="685800" y="4343400"/>
+            <a:ext cx="5486400" cy="4114800"/>
+          </a:xfrm>
+          <a:prstGeom prst="rect">
+            <a:avLst/>
+          </a:prstGeom>
+        </p:spPr>
+        <p:txBody>
+          <a:bodyPr anchorCtr="0" anchor="t" bIns="91425" lIns="91425" spcFirstLastPara="1" rIns="91425" wrap="square" tIns="91425">
+            <a:noAutofit/>
+          </a:bodyPr>
+          <a:lstStyle/>
+          <a:p>
+            <a:pPr indent="0" lvl="0" marL="0" rtl="0" algn="l">
+              <a:spcBef>
+                <a:spcPts val="0"/>
+              </a:spcBef>
+              <a:spcAft>
+                <a:spcPts val="0"/>
+              </a:spcAft>
+              <a:buNone/>
+            </a:pPr>
+            <a:r>
+              <a:t/>
+            </a:r>
+            <a:endParaRPr/>
+          </a:p>
+        </p:txBody>
+      </p:sp>
+    </p:spTree>
+  </p:cSld>
+  <p:clrMapOvr>
+    <a:masterClrMapping/>
+  </p:clrMapOvr>
+</p:notes>
+</file>
+
+<file path=ppt/notesSlides/notesSlide9.xml><?xml version="1.0" encoding="utf-8"?>
+<p:notes xmlns:a="http://schemas.openxmlformats.org/drawingml/2006/main" xmlns:r="http://schemas.openxmlformats.org/officeDocument/2006/relationships" xmlns:mc="http://schemas.openxmlformats.org/markup-compatibility/2006" xmlns:mv="urn:schemas-microsoft-com:mac:vml" xmlns:p="http://schemas.openxmlformats.org/presentationml/2006/main" xmlns:c="http://schemas.openxmlformats.org/drawingml/2006/chart" xmlns:dgm="http://schemas.openxmlformats.org/drawingml/2006/diagram" xmlns:o="urn:schemas-microsoft-com:office:office" xmlns:v="urn:schemas-microsoft-com:vml" xmlns:pvml="urn:schemas-microsoft-com:office:powerpoint" xmlns:com="http://schemas.openxmlformats.org/drawingml/2006/compatibility" xmlns:p14="http://schemas.microsoft.com/office/powerpoint/2010/main" xmlns:p15="http://schemas.microsoft.com/office/powerpoint/2012/main" xmlns:ahyp="http://schemas.microsoft.com/office/drawing/2018/hyperlinkcolor" showMasterPhAnim="0" showMasterSp="0">
+  <p:cSld>
+    <p:spTree>
+      <p:nvGrpSpPr>
+        <p:cNvPr id="125" name="Shape 125"/>
+        <p:cNvGrpSpPr/>
+        <p:nvPr/>
+      </p:nvGrpSpPr>
+      <p:grpSpPr>
+        <a:xfrm>
+          <a:off x="0" y="0"/>
+          <a:ext cx="0" cy="0"/>
+          <a:chOff x="0" y="0"/>
+          <a:chExt cx="0" cy="0"/>
+        </a:xfrm>
+      </p:grpSpPr>
+      <p:sp>
+        <p:nvSpPr>
+          <p:cNvPr id="126" name="Google Shape;126;gb1920bf474_0_13:notes"/>
+          <p:cNvSpPr/>
+          <p:nvPr>
+            <p:ph idx="2" type="sldImg"/>
+          </p:nvPr>
+        </p:nvSpPr>
+        <p:spPr>
+          <a:xfrm>
+            <a:off x="381188" y="685800"/>
+            <a:ext cx="6096300" cy="3429000"/>
+          </a:xfrm>
+          <a:custGeom>
+            <a:rect b="b" l="l" r="r" t="t"/>
+            <a:pathLst>
+              <a:path extrusionOk="0" h="120000" w="120000">
+                <a:moveTo>
+                  <a:pt x="0" y="0"/>
+                </a:moveTo>
+                <a:lnTo>
+                  <a:pt x="120000" y="0"/>
+                </a:lnTo>
+                <a:lnTo>
+                  <a:pt x="120000" y="120000"/>
+                </a:lnTo>
+                <a:lnTo>
+                  <a:pt x="0" y="120000"/>
+                </a:lnTo>
+                <a:close/>
+              </a:path>
+            </a:pathLst>
+          </a:custGeom>
+        </p:spPr>
+      </p:sp>
+      <p:sp>
+        <p:nvSpPr>
+          <p:cNvPr id="127" name="Google Shape;127;gb1920bf474_0_13:notes"/>
           <p:cNvSpPr txBox="1"/>
           <p:nvPr>
             <p:ph idx="1" type="body"/>
@@ -7457,7 +7457,7 @@
   <p:cSld>
     <p:spTree>
       <p:nvGrpSpPr>
-        <p:cNvPr id="116" name="Shape 116"/>
+        <p:cNvPr id="135" name="Shape 135"/>
         <p:cNvGrpSpPr/>
         <p:nvPr/>
       </p:nvGrpSpPr>
@@ -7471,7 +7471,7 @@
       </p:grpSpPr>
       <p:sp>
         <p:nvSpPr>
-          <p:cNvPr id="117" name="Google Shape;117;p22"/>
+          <p:cNvPr id="136" name="Google Shape;136;p22"/>
           <p:cNvSpPr txBox="1"/>
           <p:nvPr>
             <p:ph type="title"/>
@@ -7479,15 +7479,15 @@
         </p:nvSpPr>
         <p:spPr>
           <a:xfrm>
-            <a:off x="490250" y="526350"/>
-            <a:ext cx="8159700" cy="4090800"/>
+            <a:off x="311700" y="292850"/>
+            <a:ext cx="8520600" cy="801000"/>
           </a:xfrm>
           <a:prstGeom prst="rect">
             <a:avLst/>
           </a:prstGeom>
         </p:spPr>
         <p:txBody>
-          <a:bodyPr anchorCtr="0" anchor="ctr" bIns="91425" lIns="91425" spcFirstLastPara="1" rIns="91425" wrap="square" tIns="91425">
+          <a:bodyPr anchorCtr="0" anchor="t" bIns="91425" lIns="91425" spcFirstLastPara="1" rIns="91425" wrap="square" tIns="91425">
             <a:noAutofit/>
           </a:bodyPr>
           <a:lstStyle/>
@@ -7503,12 +7503,136 @@
             </a:pPr>
             <a:r>
               <a:rPr lang="es"/>
-              <a:t>6.5.1		k-means</a:t>
+              <a:t>medidas de distancia</a:t>
             </a:r>
             <a:endParaRPr/>
           </a:p>
         </p:txBody>
       </p:sp>
+      <p:sp>
+        <p:nvSpPr>
+          <p:cNvPr id="137" name="Google Shape;137;p22"/>
+          <p:cNvSpPr txBox="1"/>
+          <p:nvPr>
+            <p:ph idx="1" type="body"/>
+          </p:nvPr>
+        </p:nvSpPr>
+        <p:spPr>
+          <a:xfrm>
+            <a:off x="311700" y="1100575"/>
+            <a:ext cx="3579300" cy="3263400"/>
+          </a:xfrm>
+          <a:prstGeom prst="rect">
+            <a:avLst/>
+          </a:prstGeom>
+        </p:spPr>
+        <p:txBody>
+          <a:bodyPr anchorCtr="0" anchor="t" bIns="91425" lIns="91425" spcFirstLastPara="1" rIns="91425" wrap="square" tIns="91425">
+            <a:noAutofit/>
+          </a:bodyPr>
+          <a:lstStyle/>
+          <a:p>
+            <a:pPr indent="0" lvl="0" marL="0" rtl="0" algn="just">
+              <a:spcBef>
+                <a:spcPts val="0"/>
+              </a:spcBef>
+              <a:spcAft>
+                <a:spcPts val="1600"/>
+              </a:spcAft>
+              <a:buNone/>
+            </a:pPr>
+            <a:r>
+              <a:rPr lang="es"/>
+              <a:t>Usualmente medimos que tan parecida es una instancia de otra con la distancia. La distancia Euclidiana es la medida más común pero a veces no la más conveniente. Otra opción es la distancia de Manhattan</a:t>
+            </a:r>
+            <a:endParaRPr/>
+          </a:p>
+        </p:txBody>
+      </p:sp>
+      <p:pic>
+        <p:nvPicPr>
+          <p:cNvPr id="138" name="Google Shape;138;p22"/>
+          <p:cNvPicPr preferRelativeResize="0"/>
+          <p:nvPr/>
+        </p:nvPicPr>
+        <p:blipFill>
+          <a:blip r:embed="rId3">
+            <a:alphaModFix/>
+          </a:blip>
+          <a:stretch>
+            <a:fillRect/>
+          </a:stretch>
+        </p:blipFill>
+        <p:spPr>
+          <a:xfrm>
+            <a:off x="5129651" y="297900"/>
+            <a:ext cx="2789500" cy="2000025"/>
+          </a:xfrm>
+          <a:prstGeom prst="rect">
+            <a:avLst/>
+          </a:prstGeom>
+          <a:noFill/>
+          <a:ln>
+            <a:noFill/>
+          </a:ln>
+        </p:spPr>
+      </p:pic>
+      <p:pic>
+        <p:nvPicPr>
+          <p:cNvPr id="139" name="Google Shape;139;p22"/>
+          <p:cNvPicPr preferRelativeResize="0"/>
+          <p:nvPr/>
+        </p:nvPicPr>
+        <p:blipFill>
+          <a:blip r:embed="rId4">
+            <a:alphaModFix/>
+          </a:blip>
+          <a:stretch>
+            <a:fillRect/>
+          </a:stretch>
+        </p:blipFill>
+        <p:spPr>
+          <a:xfrm>
+            <a:off x="3976125" y="2336300"/>
+            <a:ext cx="5167871" cy="524525"/>
+          </a:xfrm>
+          <a:prstGeom prst="rect">
+            <a:avLst/>
+          </a:prstGeom>
+          <a:noFill/>
+          <a:ln>
+            <a:noFill/>
+          </a:ln>
+        </p:spPr>
+      </p:pic>
+      <p:pic>
+        <p:nvPicPr>
+          <p:cNvPr id="140" name="Google Shape;140;p22"/>
+          <p:cNvPicPr preferRelativeResize="0"/>
+          <p:nvPr/>
+        </p:nvPicPr>
+        <p:blipFill>
+          <a:blip r:embed="rId5">
+            <a:alphaModFix/>
+          </a:blip>
+          <a:stretch>
+            <a:fillRect/>
+          </a:stretch>
+        </p:blipFill>
+        <p:spPr>
+          <a:xfrm>
+            <a:off x="5643600" y="3013225"/>
+            <a:ext cx="1977876" cy="1977876"/>
+          </a:xfrm>
+          <a:prstGeom prst="rect">
+            <a:avLst/>
+          </a:prstGeom>
+          <a:noFill/>
+          <a:ln>
+            <a:noFill/>
+          </a:ln>
+        </p:spPr>
+      </p:pic>
     </p:spTree>
   </p:cSld>
   <p:clrMapOvr>
@@ -7522,7 +7646,7 @@
   <p:cSld>
     <p:spTree>
       <p:nvGrpSpPr>
-        <p:cNvPr id="121" name="Shape 121"/>
+        <p:cNvPr id="144" name="Shape 144"/>
         <p:cNvGrpSpPr/>
         <p:nvPr/>
       </p:nvGrpSpPr>
@@ -7536,7 +7660,7 @@
       </p:grpSpPr>
       <p:sp>
         <p:nvSpPr>
-          <p:cNvPr id="122" name="Google Shape;122;p23"/>
+          <p:cNvPr id="145" name="Google Shape;145;p23"/>
           <p:cNvSpPr txBox="1"/>
           <p:nvPr>
             <p:ph type="title"/>
@@ -7568,7 +7692,7 @@
             </a:pPr>
             <a:r>
               <a:rPr lang="es"/>
-              <a:t>clustering con k-means</a:t>
+              <a:t>¿cuántos clusters proponer?</a:t>
             </a:r>
             <a:endParaRPr/>
           </a:p>
@@ -7576,7 +7700,7 @@
       </p:sp>
       <p:sp>
         <p:nvSpPr>
-          <p:cNvPr id="123" name="Google Shape;123;p23"/>
+          <p:cNvPr id="146" name="Google Shape;146;p23"/>
           <p:cNvSpPr txBox="1"/>
           <p:nvPr>
             <p:ph idx="1" type="body"/>
@@ -7585,7 +7709,7 @@
         <p:spPr>
           <a:xfrm>
             <a:off x="311700" y="1100575"/>
-            <a:ext cx="4076400" cy="3263400"/>
+            <a:ext cx="2740800" cy="3263400"/>
           </a:xfrm>
           <a:prstGeom prst="rect">
             <a:avLst/>
@@ -7602,45 +7726,13 @@
                 <a:spcPts val="0"/>
               </a:spcBef>
               <a:spcAft>
-                <a:spcPts val="0"/>
+                <a:spcPts val="1600"/>
               </a:spcAft>
               <a:buNone/>
             </a:pPr>
             <a:r>
               <a:rPr lang="es"/>
-              <a:t>Es un método basado en particiones. Se construyen k particiones de los datos, donde cada parte representa un grupo o cluster.</a:t>
-            </a:r>
-            <a:endParaRPr/>
-          </a:p>
-          <a:p>
-            <a:pPr indent="0" lvl="0" marL="0" rtl="0" algn="just">
-              <a:spcBef>
-                <a:spcPts val="1600"/>
-              </a:spcBef>
-              <a:spcAft>
-                <a:spcPts val="0"/>
-              </a:spcAft>
-              <a:buNone/>
-            </a:pPr>
-            <a:r>
-              <a:rPr lang="es"/>
-              <a:t>Cada grupo tiene al menos un</a:t>
-            </a:r>
-            <a:endParaRPr/>
-          </a:p>
-          <a:p>
-            <a:pPr indent="0" lvl="0" marL="0" rtl="0" algn="just">
-              <a:spcBef>
-                <a:spcPts val="1600"/>
-              </a:spcBef>
-              <a:spcAft>
-                <a:spcPts val="1600"/>
-              </a:spcAft>
-              <a:buNone/>
-            </a:pPr>
-            <a:r>
-              <a:rPr lang="es"/>
-              <a:t>elemento. Este método crea una partición inicial e iteran hasta un criterio de paro.</a:t>
+              <a:t>¿Cúal es el número de k óptimo?</a:t>
             </a:r>
             <a:endParaRPr/>
           </a:p>
@@ -7648,7 +7740,7 @@
       </p:sp>
       <p:pic>
         <p:nvPicPr>
-          <p:cNvPr id="124" name="Google Shape;124;p23"/>
+          <p:cNvPr id="147" name="Google Shape;147;p23"/>
           <p:cNvPicPr preferRelativeResize="0"/>
           <p:nvPr/>
         </p:nvPicPr>
@@ -7662,8 +7754,36 @@
         </p:blipFill>
         <p:spPr>
           <a:xfrm>
-            <a:off x="4791075" y="347663"/>
-            <a:ext cx="4133850" cy="4448175"/>
+            <a:off x="3598992" y="1016000"/>
+            <a:ext cx="5335458" cy="3811025"/>
+          </a:xfrm>
+          <a:prstGeom prst="rect">
+            <a:avLst/>
+          </a:prstGeom>
+          <a:noFill/>
+          <a:ln>
+            <a:noFill/>
+          </a:ln>
+        </p:spPr>
+      </p:pic>
+      <p:pic>
+        <p:nvPicPr>
+          <p:cNvPr id="148" name="Google Shape;148;p23"/>
+          <p:cNvPicPr preferRelativeResize="0"/>
+          <p:nvPr/>
+        </p:nvPicPr>
+        <p:blipFill>
+          <a:blip r:embed="rId4">
+            <a:alphaModFix/>
+          </a:blip>
+          <a:stretch>
+            <a:fillRect/>
+          </a:stretch>
+        </p:blipFill>
+        <p:spPr>
+          <a:xfrm>
+            <a:off x="225070" y="1874225"/>
+            <a:ext cx="3376025" cy="2952800"/>
           </a:xfrm>
           <a:prstGeom prst="rect">
             <a:avLst/>
@@ -7687,7 +7807,7 @@
   <p:cSld>
     <p:spTree>
       <p:nvGrpSpPr>
-        <p:cNvPr id="128" name="Shape 128"/>
+        <p:cNvPr id="152" name="Shape 152"/>
         <p:cNvGrpSpPr/>
         <p:nvPr/>
       </p:nvGrpSpPr>
@@ -7701,7 +7821,7 @@
       </p:grpSpPr>
       <p:sp>
         <p:nvSpPr>
-          <p:cNvPr id="129" name="Google Shape;129;p24"/>
+          <p:cNvPr id="153" name="Google Shape;153;p24"/>
           <p:cNvSpPr txBox="1"/>
           <p:nvPr>
             <p:ph type="title"/>
@@ -7752,7 +7872,7 @@
   <p:cSld>
     <p:spTree>
       <p:nvGrpSpPr>
-        <p:cNvPr id="133" name="Shape 133"/>
+        <p:cNvPr id="157" name="Shape 157"/>
         <p:cNvGrpSpPr/>
         <p:nvPr/>
       </p:nvGrpSpPr>
@@ -7766,7 +7886,7 @@
       </p:grpSpPr>
       <p:sp>
         <p:nvSpPr>
-          <p:cNvPr id="134" name="Google Shape;134;p25"/>
+          <p:cNvPr id="158" name="Google Shape;158;p25"/>
           <p:cNvSpPr txBox="1"/>
           <p:nvPr>
             <p:ph type="title"/>
@@ -7806,7 +7926,7 @@
       </p:sp>
       <p:sp>
         <p:nvSpPr>
-          <p:cNvPr id="135" name="Google Shape;135;p25"/>
+          <p:cNvPr id="159" name="Google Shape;159;p25"/>
           <p:cNvSpPr txBox="1"/>
           <p:nvPr>
             <p:ph idx="1" type="body"/>
@@ -7958,7 +8078,7 @@
         <p:spPr>
           <a:xfrm>
             <a:off x="311700" y="1228675"/>
-            <a:ext cx="3692700" cy="3340200"/>
+            <a:ext cx="8026500" cy="3340200"/>
           </a:xfrm>
           <a:prstGeom prst="rect">
             <a:avLst/>
@@ -8022,34 +8142,6 @@
           </a:p>
         </p:txBody>
       </p:sp>
-      <p:pic>
-        <p:nvPicPr>
-          <p:cNvPr id="64" name="Google Shape;64;p14"/>
-          <p:cNvPicPr preferRelativeResize="0"/>
-          <p:nvPr/>
-        </p:nvPicPr>
-        <p:blipFill>
-          <a:blip r:embed="rId3">
-            <a:alphaModFix/>
-          </a:blip>
-          <a:stretch>
-            <a:fillRect/>
-          </a:stretch>
-        </p:blipFill>
-        <p:spPr>
-          <a:xfrm>
-            <a:off x="3805238" y="723900"/>
-            <a:ext cx="5343525" cy="4000500"/>
-          </a:xfrm>
-          <a:prstGeom prst="rect">
-            <a:avLst/>
-          </a:prstGeom>
-          <a:noFill/>
-          <a:ln>
-            <a:noFill/>
-          </a:ln>
-        </p:spPr>
-      </p:pic>
     </p:spTree>
   </p:cSld>
   <p:clrMapOvr>
@@ -8063,7 +8155,7 @@
   <p:cSld>
     <p:spTree>
       <p:nvGrpSpPr>
-        <p:cNvPr id="68" name="Shape 68"/>
+        <p:cNvPr id="67" name="Shape 67"/>
         <p:cNvGrpSpPr/>
         <p:nvPr/>
       </p:nvGrpSpPr>
@@ -8077,7 +8169,7 @@
       </p:grpSpPr>
       <p:sp>
         <p:nvSpPr>
-          <p:cNvPr id="69" name="Google Shape;69;p15"/>
+          <p:cNvPr id="68" name="Google Shape;68;p15"/>
           <p:cNvSpPr txBox="1"/>
           <p:nvPr>
             <p:ph type="title"/>
@@ -8109,7 +8201,7 @@
             </a:pPr>
             <a:r>
               <a:rPr lang="es"/>
-              <a:t>medidas de pertenencia</a:t>
+              <a:t>el problema de segmentación de clientes</a:t>
             </a:r>
             <a:endParaRPr/>
           </a:p>
@@ -8117,7 +8209,7 @@
       </p:sp>
       <p:sp>
         <p:nvSpPr>
-          <p:cNvPr id="70" name="Google Shape;70;p15"/>
+          <p:cNvPr id="69" name="Google Shape;69;p15"/>
           <p:cNvSpPr txBox="1"/>
           <p:nvPr>
             <p:ph idx="1" type="body"/>
@@ -8125,8 +8217,8 @@
         </p:nvSpPr>
         <p:spPr>
           <a:xfrm>
-            <a:off x="311700" y="1000075"/>
-            <a:ext cx="8679900" cy="1343100"/>
+            <a:off x="311700" y="1228675"/>
+            <a:ext cx="3692700" cy="3340200"/>
           </a:xfrm>
           <a:prstGeom prst="rect">
             <a:avLst/>
@@ -8138,106 +8230,344 @@
           </a:bodyPr>
           <a:lstStyle/>
           <a:p>
-            <a:pPr indent="0" lvl="0" marL="0" rtl="0" algn="just">
-              <a:spcBef>
-                <a:spcPts val="0"/>
-              </a:spcBef>
-              <a:spcAft>
-                <a:spcPts val="0"/>
+            <a:pPr indent="0" lvl="0" marL="0" rtl="0" algn="l">
+              <a:spcBef>
+                <a:spcPts val="0"/>
+              </a:spcBef>
+              <a:spcAft>
+                <a:spcPts val="1600"/>
               </a:spcAft>
               <a:buNone/>
             </a:pPr>
             <a:r>
               <a:rPr lang="es"/>
-              <a:t>La similaridad está basada en la distancia entre las instancias. Los clusters se diferencían de uno de otro por el centroide. Instancias con diferentes centroides pertenecen a diferentes grupos. </a:t>
+              <a:t>Supongamos que tenemos una tabla con algunas características de nuestros clientes, digamos que la compañía desea hacer una </a:t>
             </a:r>
-            <a:endParaRPr/>
-          </a:p>
-          <a:p>
-            <a:pPr indent="0" lvl="0" marL="0" rtl="0" algn="l">
-              <a:spcBef>
-                <a:spcPts val="1600"/>
-              </a:spcBef>
-              <a:spcAft>
-                <a:spcPts val="1600"/>
-              </a:spcAft>
-              <a:buNone/>
-            </a:pPr>
             <a:r>
-              <a:t/>
+              <a:rPr lang="es"/>
+              <a:t>estrategia</a:t>
+            </a:r>
+            <a:r>
+              <a:rPr lang="es"/>
+              <a:t> de marketing diferenciada para cada grupo. Para ello se deben diferenciar grupos en los datos</a:t>
             </a:r>
             <a:endParaRPr/>
           </a:p>
         </p:txBody>
       </p:sp>
-      <p:sp>
-        <p:nvSpPr>
-          <p:cNvPr id="71" name="Google Shape;71;p15"/>
-          <p:cNvSpPr txBox="1"/>
-          <p:nvPr>
-            <p:ph idx="1" type="body"/>
-          </p:nvPr>
-        </p:nvSpPr>
-        <p:spPr>
-          <a:xfrm>
-            <a:off x="311700" y="2334100"/>
-            <a:ext cx="4815300" cy="2234700"/>
-          </a:xfrm>
-          <a:prstGeom prst="rect">
-            <a:avLst/>
-          </a:prstGeom>
-        </p:spPr>
-        <p:txBody>
-          <a:bodyPr anchorCtr="0" anchor="t" bIns="91425" lIns="91425" spcFirstLastPara="1" rIns="91425" wrap="square" tIns="91425">
-            <a:noAutofit/>
-          </a:bodyPr>
-          <a:lstStyle/>
-          <a:p>
-            <a:pPr indent="0" lvl="0" marL="0" rtl="0" algn="just">
-              <a:spcBef>
-                <a:spcPts val="0"/>
-              </a:spcBef>
-              <a:spcAft>
-                <a:spcPts val="1600"/>
-              </a:spcAft>
-              <a:buNone/>
-            </a:pPr>
-            <a:r>
-              <a:rPr lang="es"/>
-              <a:t>Los centroides se calculan de forma iterativa. Primero se proponen k centroides de posición aleatoria y posteriormente se encuentra un sentido de pertenencia. </a:t>
-            </a:r>
-            <a:endParaRPr/>
-          </a:p>
-        </p:txBody>
-      </p:sp>
-      <p:pic>
-        <p:nvPicPr>
-          <p:cNvPr id="72" name="Google Shape;72;p15"/>
-          <p:cNvPicPr preferRelativeResize="0"/>
+      <p:graphicFrame>
+        <p:nvGraphicFramePr>
+          <p:cNvPr id="70" name="Google Shape;70;p15"/>
+          <p:cNvGraphicFramePr/>
           <p:nvPr/>
-        </p:nvPicPr>
-        <p:blipFill>
-          <a:blip r:embed="rId3">
-            <a:alphaModFix/>
-          </a:blip>
-          <a:stretch>
-            <a:fillRect/>
-          </a:stretch>
-        </p:blipFill>
-        <p:spPr>
-          <a:xfrm>
-            <a:off x="5128200" y="2038375"/>
-            <a:ext cx="3863400" cy="2897550"/>
-          </a:xfrm>
-          <a:prstGeom prst="rect">
-            <a:avLst/>
-          </a:prstGeom>
-          <a:noFill/>
-          <a:ln>
-            <a:noFill/>
-          </a:ln>
-        </p:spPr>
-      </p:pic>
+        </p:nvGraphicFramePr>
+        <p:xfrm>
+          <a:off x="4004400" y="1428750"/>
+          <a:ext cx="3000000" cy="3000000"/>
+        </p:xfrm>
+        <a:graphic>
+          <a:graphicData uri="http://schemas.openxmlformats.org/drawingml/2006/table">
+            <a:tbl>
+              <a:tblPr>
+                <a:noFill/>
+                <a:tableStyleId>{D527AD3E-2C5F-4630-B0E0-FAA2826508ED}</a:tableStyleId>
+              </a:tblPr>
+              <a:tblGrid>
+                <a:gridCol w="2093550"/>
+                <a:gridCol w="2093550"/>
+              </a:tblGrid>
+              <a:tr h="381000">
+                <a:tc>
+                  <a:txBody>
+                    <a:bodyPr/>
+                    <a:lstStyle/>
+                    <a:p>
+                      <a:pPr indent="0" lvl="0" marL="0" rtl="0" algn="l">
+                        <a:spcBef>
+                          <a:spcPts val="0"/>
+                        </a:spcBef>
+                        <a:spcAft>
+                          <a:spcPts val="0"/>
+                        </a:spcAft>
+                        <a:buNone/>
+                      </a:pPr>
+                      <a:r>
+                        <a:rPr lang="es"/>
+                        <a:t>Edad</a:t>
+                      </a:r>
+                      <a:endParaRPr/>
+                    </a:p>
+                  </a:txBody>
+                  <a:tcPr marT="91425" marB="91425" marR="91425" marL="91425"/>
+                </a:tc>
+                <a:tc>
+                  <a:txBody>
+                    <a:bodyPr/>
+                    <a:lstStyle/>
+                    <a:p>
+                      <a:pPr indent="0" lvl="0" marL="0" rtl="0" algn="l">
+                        <a:spcBef>
+                          <a:spcPts val="0"/>
+                        </a:spcBef>
+                        <a:spcAft>
+                          <a:spcPts val="0"/>
+                        </a:spcAft>
+                        <a:buNone/>
+                      </a:pPr>
+                      <a:r>
+                        <a:rPr lang="es"/>
+                        <a:t>Ingreso</a:t>
+                      </a:r>
+                      <a:endParaRPr/>
+                    </a:p>
+                  </a:txBody>
+                  <a:tcPr marT="91425" marB="91425" marR="91425" marL="91425"/>
+                </a:tc>
+              </a:tr>
+              <a:tr h="381000">
+                <a:tc>
+                  <a:txBody>
+                    <a:bodyPr/>
+                    <a:lstStyle/>
+                    <a:p>
+                      <a:pPr indent="0" lvl="0" marL="0" rtl="0" algn="l">
+                        <a:spcBef>
+                          <a:spcPts val="0"/>
+                        </a:spcBef>
+                        <a:spcAft>
+                          <a:spcPts val="0"/>
+                        </a:spcAft>
+                        <a:buNone/>
+                      </a:pPr>
+                      <a:r>
+                        <a:rPr lang="es"/>
+                        <a:t>25</a:t>
+                      </a:r>
+                      <a:endParaRPr/>
+                    </a:p>
+                  </a:txBody>
+                  <a:tcPr marT="91425" marB="91425" marR="91425" marL="91425"/>
+                </a:tc>
+                <a:tc>
+                  <a:txBody>
+                    <a:bodyPr/>
+                    <a:lstStyle/>
+                    <a:p>
+                      <a:pPr indent="0" lvl="0" marL="0" rtl="0" algn="l">
+                        <a:spcBef>
+                          <a:spcPts val="0"/>
+                        </a:spcBef>
+                        <a:spcAft>
+                          <a:spcPts val="0"/>
+                        </a:spcAft>
+                        <a:buNone/>
+                      </a:pPr>
+                      <a:r>
+                        <a:rPr lang="es"/>
+                        <a:t>10k</a:t>
+                      </a:r>
+                      <a:endParaRPr/>
+                    </a:p>
+                  </a:txBody>
+                  <a:tcPr marT="91425" marB="91425" marR="91425" marL="91425"/>
+                </a:tc>
+              </a:tr>
+              <a:tr h="381000">
+                <a:tc>
+                  <a:txBody>
+                    <a:bodyPr/>
+                    <a:lstStyle/>
+                    <a:p>
+                      <a:pPr indent="0" lvl="0" marL="0" rtl="0" algn="l">
+                        <a:spcBef>
+                          <a:spcPts val="0"/>
+                        </a:spcBef>
+                        <a:spcAft>
+                          <a:spcPts val="0"/>
+                        </a:spcAft>
+                        <a:buNone/>
+                      </a:pPr>
+                      <a:r>
+                        <a:rPr lang="es"/>
+                        <a:t>36</a:t>
+                      </a:r>
+                      <a:endParaRPr/>
+                    </a:p>
+                  </a:txBody>
+                  <a:tcPr marT="91425" marB="91425" marR="91425" marL="91425"/>
+                </a:tc>
+                <a:tc>
+                  <a:txBody>
+                    <a:bodyPr/>
+                    <a:lstStyle/>
+                    <a:p>
+                      <a:pPr indent="0" lvl="0" marL="0" rtl="0" algn="l">
+                        <a:spcBef>
+                          <a:spcPts val="0"/>
+                        </a:spcBef>
+                        <a:spcAft>
+                          <a:spcPts val="0"/>
+                        </a:spcAft>
+                        <a:buNone/>
+                      </a:pPr>
+                      <a:r>
+                        <a:rPr lang="es"/>
+                        <a:t>35k</a:t>
+                      </a:r>
+                      <a:endParaRPr/>
+                    </a:p>
+                  </a:txBody>
+                  <a:tcPr marT="91425" marB="91425" marR="91425" marL="91425"/>
+                </a:tc>
+              </a:tr>
+              <a:tr h="381000">
+                <a:tc>
+                  <a:txBody>
+                    <a:bodyPr/>
+                    <a:lstStyle/>
+                    <a:p>
+                      <a:pPr indent="0" lvl="0" marL="0" rtl="0" algn="l">
+                        <a:spcBef>
+                          <a:spcPts val="0"/>
+                        </a:spcBef>
+                        <a:spcAft>
+                          <a:spcPts val="0"/>
+                        </a:spcAft>
+                        <a:buNone/>
+                      </a:pPr>
+                      <a:r>
+                        <a:rPr lang="es"/>
+                        <a:t>85</a:t>
+                      </a:r>
+                      <a:endParaRPr/>
+                    </a:p>
+                  </a:txBody>
+                  <a:tcPr marT="91425" marB="91425" marR="91425" marL="91425"/>
+                </a:tc>
+                <a:tc>
+                  <a:txBody>
+                    <a:bodyPr/>
+                    <a:lstStyle/>
+                    <a:p>
+                      <a:pPr indent="0" lvl="0" marL="0" rtl="0" algn="l">
+                        <a:spcBef>
+                          <a:spcPts val="0"/>
+                        </a:spcBef>
+                        <a:spcAft>
+                          <a:spcPts val="0"/>
+                        </a:spcAft>
+                        <a:buNone/>
+                      </a:pPr>
+                      <a:r>
+                        <a:rPr lang="es"/>
+                        <a:t>45k</a:t>
+                      </a:r>
+                      <a:endParaRPr/>
+                    </a:p>
+                  </a:txBody>
+                  <a:tcPr marT="91425" marB="91425" marR="91425" marL="91425"/>
+                </a:tc>
+              </a:tr>
+              <a:tr h="381000">
+                <a:tc>
+                  <a:txBody>
+                    <a:bodyPr/>
+                    <a:lstStyle/>
+                    <a:p>
+                      <a:pPr indent="0" lvl="0" marL="0" rtl="0" algn="l">
+                        <a:spcBef>
+                          <a:spcPts val="0"/>
+                        </a:spcBef>
+                        <a:spcAft>
+                          <a:spcPts val="0"/>
+                        </a:spcAft>
+                        <a:buNone/>
+                      </a:pPr>
+                      <a:r>
+                        <a:rPr lang="es"/>
+                        <a:t>56</a:t>
+                      </a:r>
+                      <a:endParaRPr/>
+                    </a:p>
+                  </a:txBody>
+                  <a:tcPr marT="91425" marB="91425" marR="91425" marL="91425"/>
+                </a:tc>
+                <a:tc>
+                  <a:txBody>
+                    <a:bodyPr/>
+                    <a:lstStyle/>
+                    <a:p>
+                      <a:pPr indent="0" lvl="0" marL="0" rtl="0" algn="l">
+                        <a:spcBef>
+                          <a:spcPts val="0"/>
+                        </a:spcBef>
+                        <a:spcAft>
+                          <a:spcPts val="0"/>
+                        </a:spcAft>
+                        <a:buNone/>
+                      </a:pPr>
+                      <a:r>
+                        <a:rPr lang="es"/>
+                        <a:t>40l</a:t>
+                      </a:r>
+                      <a:endParaRPr/>
+                    </a:p>
+                  </a:txBody>
+                  <a:tcPr marT="91425" marB="91425" marR="91425" marL="91425"/>
+                </a:tc>
+              </a:tr>
+              <a:tr h="381000">
+                <a:tc>
+                  <a:txBody>
+                    <a:bodyPr/>
+                    <a:lstStyle/>
+                    <a:p>
+                      <a:pPr indent="0" lvl="0" marL="0" rtl="0" algn="l">
+                        <a:spcBef>
+                          <a:spcPts val="0"/>
+                        </a:spcBef>
+                        <a:spcAft>
+                          <a:spcPts val="0"/>
+                        </a:spcAft>
+                        <a:buNone/>
+                      </a:pPr>
+                      <a:r>
+                        <a:rPr lang="es"/>
+                        <a:t>46</a:t>
+                      </a:r>
+                      <a:endParaRPr/>
+                    </a:p>
+                  </a:txBody>
+                  <a:tcPr marT="91425" marB="91425" marR="91425" marL="91425"/>
+                </a:tc>
+                <a:tc>
+                  <a:txBody>
+                    <a:bodyPr/>
+                    <a:lstStyle/>
+                    <a:p>
+                      <a:pPr indent="0" lvl="0" marL="0" rtl="0" algn="l">
+                        <a:spcBef>
+                          <a:spcPts val="0"/>
+                        </a:spcBef>
+                        <a:spcAft>
+                          <a:spcPts val="0"/>
+                        </a:spcAft>
+                        <a:buNone/>
+                      </a:pPr>
+                      <a:r>
+                        <a:rPr lang="es"/>
+                        <a:t>45k</a:t>
+                      </a:r>
+                      <a:endParaRPr/>
+                    </a:p>
+                  </a:txBody>
+                  <a:tcPr marT="91425" marB="91425" marR="91425" marL="91425"/>
+                </a:tc>
+              </a:tr>
+            </a:tbl>
+          </a:graphicData>
+        </a:graphic>
+      </p:graphicFrame>
     </p:spTree>
   </p:cSld>
   <p:clrMapOvr>
@@ -8251,7 +8581,7 @@
   <p:cSld>
     <p:spTree>
       <p:nvGrpSpPr>
-        <p:cNvPr id="76" name="Shape 76"/>
+        <p:cNvPr id="74" name="Shape 74"/>
         <p:cNvGrpSpPr/>
         <p:nvPr/>
       </p:nvGrpSpPr>
@@ -8265,7 +8595,7 @@
       </p:grpSpPr>
       <p:sp>
         <p:nvSpPr>
-          <p:cNvPr id="77" name="Google Shape;77;p16"/>
+          <p:cNvPr id="75" name="Google Shape;75;p16"/>
           <p:cNvSpPr txBox="1"/>
           <p:nvPr>
             <p:ph type="title"/>
@@ -8297,7 +8627,421 @@
             </a:pPr>
             <a:r>
               <a:rPr lang="es"/>
-              <a:t>Centroides</a:t>
+              <a:t>el problema de segmentación de clientes</a:t>
+            </a:r>
+            <a:endParaRPr/>
+          </a:p>
+        </p:txBody>
+      </p:sp>
+      <p:graphicFrame>
+        <p:nvGraphicFramePr>
+          <p:cNvPr id="76" name="Google Shape;76;p16"/>
+          <p:cNvGraphicFramePr/>
+          <p:nvPr/>
+        </p:nvGraphicFramePr>
+        <p:xfrm>
+          <a:off x="651600" y="1428750"/>
+          <a:ext cx="3000000" cy="3000000"/>
+        </p:xfrm>
+        <a:graphic>
+          <a:graphicData uri="http://schemas.openxmlformats.org/drawingml/2006/table">
+            <a:tbl>
+              <a:tblPr>
+                <a:noFill/>
+                <a:tableStyleId>{D527AD3E-2C5F-4630-B0E0-FAA2826508ED}</a:tableStyleId>
+              </a:tblPr>
+              <a:tblGrid>
+                <a:gridCol w="1456600"/>
+                <a:gridCol w="1456600"/>
+              </a:tblGrid>
+              <a:tr h="396200">
+                <a:tc>
+                  <a:txBody>
+                    <a:bodyPr/>
+                    <a:lstStyle/>
+                    <a:p>
+                      <a:pPr indent="0" lvl="0" marL="0" rtl="0" algn="l">
+                        <a:spcBef>
+                          <a:spcPts val="0"/>
+                        </a:spcBef>
+                        <a:spcAft>
+                          <a:spcPts val="0"/>
+                        </a:spcAft>
+                        <a:buNone/>
+                      </a:pPr>
+                      <a:r>
+                        <a:rPr lang="es"/>
+                        <a:t>Edad</a:t>
+                      </a:r>
+                      <a:endParaRPr/>
+                    </a:p>
+                  </a:txBody>
+                  <a:tcPr marT="91425" marB="91425" marR="91425" marL="91425"/>
+                </a:tc>
+                <a:tc>
+                  <a:txBody>
+                    <a:bodyPr/>
+                    <a:lstStyle/>
+                    <a:p>
+                      <a:pPr indent="0" lvl="0" marL="0" rtl="0" algn="l">
+                        <a:spcBef>
+                          <a:spcPts val="0"/>
+                        </a:spcBef>
+                        <a:spcAft>
+                          <a:spcPts val="0"/>
+                        </a:spcAft>
+                        <a:buNone/>
+                      </a:pPr>
+                      <a:r>
+                        <a:rPr lang="es"/>
+                        <a:t>Ingreso</a:t>
+                      </a:r>
+                      <a:endParaRPr/>
+                    </a:p>
+                  </a:txBody>
+                  <a:tcPr marT="91425" marB="91425" marR="91425" marL="91425"/>
+                </a:tc>
+              </a:tr>
+              <a:tr h="396200">
+                <a:tc>
+                  <a:txBody>
+                    <a:bodyPr/>
+                    <a:lstStyle/>
+                    <a:p>
+                      <a:pPr indent="0" lvl="0" marL="0" rtl="0" algn="l">
+                        <a:spcBef>
+                          <a:spcPts val="0"/>
+                        </a:spcBef>
+                        <a:spcAft>
+                          <a:spcPts val="0"/>
+                        </a:spcAft>
+                        <a:buNone/>
+                      </a:pPr>
+                      <a:r>
+                        <a:rPr lang="es"/>
+                        <a:t>25</a:t>
+                      </a:r>
+                      <a:endParaRPr/>
+                    </a:p>
+                  </a:txBody>
+                  <a:tcPr marT="91425" marB="91425" marR="91425" marL="91425"/>
+                </a:tc>
+                <a:tc>
+                  <a:txBody>
+                    <a:bodyPr/>
+                    <a:lstStyle/>
+                    <a:p>
+                      <a:pPr indent="0" lvl="0" marL="0" rtl="0" algn="l">
+                        <a:spcBef>
+                          <a:spcPts val="0"/>
+                        </a:spcBef>
+                        <a:spcAft>
+                          <a:spcPts val="0"/>
+                        </a:spcAft>
+                        <a:buNone/>
+                      </a:pPr>
+                      <a:r>
+                        <a:rPr lang="es"/>
+                        <a:t>10k</a:t>
+                      </a:r>
+                      <a:endParaRPr/>
+                    </a:p>
+                  </a:txBody>
+                  <a:tcPr marT="91425" marB="91425" marR="91425" marL="91425"/>
+                </a:tc>
+              </a:tr>
+              <a:tr h="396200">
+                <a:tc>
+                  <a:txBody>
+                    <a:bodyPr/>
+                    <a:lstStyle/>
+                    <a:p>
+                      <a:pPr indent="0" lvl="0" marL="0" rtl="0" algn="l">
+                        <a:spcBef>
+                          <a:spcPts val="0"/>
+                        </a:spcBef>
+                        <a:spcAft>
+                          <a:spcPts val="0"/>
+                        </a:spcAft>
+                        <a:buNone/>
+                      </a:pPr>
+                      <a:r>
+                        <a:rPr lang="es"/>
+                        <a:t>36</a:t>
+                      </a:r>
+                      <a:endParaRPr/>
+                    </a:p>
+                  </a:txBody>
+                  <a:tcPr marT="91425" marB="91425" marR="91425" marL="91425"/>
+                </a:tc>
+                <a:tc>
+                  <a:txBody>
+                    <a:bodyPr/>
+                    <a:lstStyle/>
+                    <a:p>
+                      <a:pPr indent="0" lvl="0" marL="0" rtl="0" algn="l">
+                        <a:spcBef>
+                          <a:spcPts val="0"/>
+                        </a:spcBef>
+                        <a:spcAft>
+                          <a:spcPts val="0"/>
+                        </a:spcAft>
+                        <a:buNone/>
+                      </a:pPr>
+                      <a:r>
+                        <a:rPr lang="es"/>
+                        <a:t>35k</a:t>
+                      </a:r>
+                      <a:endParaRPr/>
+                    </a:p>
+                  </a:txBody>
+                  <a:tcPr marT="91425" marB="91425" marR="91425" marL="91425"/>
+                </a:tc>
+              </a:tr>
+              <a:tr h="396200">
+                <a:tc>
+                  <a:txBody>
+                    <a:bodyPr/>
+                    <a:lstStyle/>
+                    <a:p>
+                      <a:pPr indent="0" lvl="0" marL="0" rtl="0" algn="l">
+                        <a:spcBef>
+                          <a:spcPts val="0"/>
+                        </a:spcBef>
+                        <a:spcAft>
+                          <a:spcPts val="0"/>
+                        </a:spcAft>
+                        <a:buNone/>
+                      </a:pPr>
+                      <a:r>
+                        <a:rPr lang="es"/>
+                        <a:t>85</a:t>
+                      </a:r>
+                      <a:endParaRPr/>
+                    </a:p>
+                  </a:txBody>
+                  <a:tcPr marT="91425" marB="91425" marR="91425" marL="91425"/>
+                </a:tc>
+                <a:tc>
+                  <a:txBody>
+                    <a:bodyPr/>
+                    <a:lstStyle/>
+                    <a:p>
+                      <a:pPr indent="0" lvl="0" marL="0" rtl="0" algn="l">
+                        <a:spcBef>
+                          <a:spcPts val="0"/>
+                        </a:spcBef>
+                        <a:spcAft>
+                          <a:spcPts val="0"/>
+                        </a:spcAft>
+                        <a:buNone/>
+                      </a:pPr>
+                      <a:r>
+                        <a:rPr lang="es"/>
+                        <a:t>45k</a:t>
+                      </a:r>
+                      <a:endParaRPr/>
+                    </a:p>
+                  </a:txBody>
+                  <a:tcPr marT="91425" marB="91425" marR="91425" marL="91425"/>
+                </a:tc>
+              </a:tr>
+              <a:tr h="396200">
+                <a:tc>
+                  <a:txBody>
+                    <a:bodyPr/>
+                    <a:lstStyle/>
+                    <a:p>
+                      <a:pPr indent="0" lvl="0" marL="0" rtl="0" algn="l">
+                        <a:spcBef>
+                          <a:spcPts val="0"/>
+                        </a:spcBef>
+                        <a:spcAft>
+                          <a:spcPts val="0"/>
+                        </a:spcAft>
+                        <a:buNone/>
+                      </a:pPr>
+                      <a:r>
+                        <a:rPr lang="es"/>
+                        <a:t>56</a:t>
+                      </a:r>
+                      <a:endParaRPr/>
+                    </a:p>
+                  </a:txBody>
+                  <a:tcPr marT="91425" marB="91425" marR="91425" marL="91425"/>
+                </a:tc>
+                <a:tc>
+                  <a:txBody>
+                    <a:bodyPr/>
+                    <a:lstStyle/>
+                    <a:p>
+                      <a:pPr indent="0" lvl="0" marL="0" rtl="0" algn="l">
+                        <a:spcBef>
+                          <a:spcPts val="0"/>
+                        </a:spcBef>
+                        <a:spcAft>
+                          <a:spcPts val="0"/>
+                        </a:spcAft>
+                        <a:buNone/>
+                      </a:pPr>
+                      <a:r>
+                        <a:rPr lang="es"/>
+                        <a:t>40l</a:t>
+                      </a:r>
+                      <a:endParaRPr/>
+                    </a:p>
+                  </a:txBody>
+                  <a:tcPr marT="91425" marB="91425" marR="91425" marL="91425"/>
+                </a:tc>
+              </a:tr>
+              <a:tr h="396200">
+                <a:tc>
+                  <a:txBody>
+                    <a:bodyPr/>
+                    <a:lstStyle/>
+                    <a:p>
+                      <a:pPr indent="0" lvl="0" marL="0" rtl="0" algn="l">
+                        <a:spcBef>
+                          <a:spcPts val="0"/>
+                        </a:spcBef>
+                        <a:spcAft>
+                          <a:spcPts val="0"/>
+                        </a:spcAft>
+                        <a:buNone/>
+                      </a:pPr>
+                      <a:r>
+                        <a:rPr lang="es"/>
+                        <a:t>46</a:t>
+                      </a:r>
+                      <a:endParaRPr/>
+                    </a:p>
+                  </a:txBody>
+                  <a:tcPr marT="91425" marB="91425" marR="91425" marL="91425"/>
+                </a:tc>
+                <a:tc>
+                  <a:txBody>
+                    <a:bodyPr/>
+                    <a:lstStyle/>
+                    <a:p>
+                      <a:pPr indent="0" lvl="0" marL="0" rtl="0" algn="l">
+                        <a:spcBef>
+                          <a:spcPts val="0"/>
+                        </a:spcBef>
+                        <a:spcAft>
+                          <a:spcPts val="0"/>
+                        </a:spcAft>
+                        <a:buNone/>
+                      </a:pPr>
+                      <a:r>
+                        <a:rPr lang="es"/>
+                        <a:t>45k</a:t>
+                      </a:r>
+                      <a:endParaRPr/>
+                    </a:p>
+                  </a:txBody>
+                  <a:tcPr marT="91425" marB="91425" marR="91425" marL="91425"/>
+                </a:tc>
+              </a:tr>
+            </a:tbl>
+          </a:graphicData>
+        </a:graphic>
+      </p:graphicFrame>
+      <p:cxnSp>
+        <p:nvCxnSpPr>
+          <p:cNvPr id="77" name="Google Shape;77;p16"/>
+          <p:cNvCxnSpPr/>
+          <p:nvPr/>
+        </p:nvCxnSpPr>
+        <p:spPr>
+          <a:xfrm>
+            <a:off x="4388175" y="4276775"/>
+            <a:ext cx="3381900" cy="11100"/>
+          </a:xfrm>
+          <a:prstGeom prst="straightConnector1">
+            <a:avLst/>
+          </a:prstGeom>
+          <a:noFill/>
+          <a:ln cap="flat" cmpd="sng" w="9525">
+            <a:solidFill>
+              <a:schemeClr val="dk2"/>
+            </a:solidFill>
+            <a:prstDash val="solid"/>
+            <a:round/>
+            <a:headEnd len="med" w="med" type="none"/>
+            <a:tailEnd len="med" w="med" type="triangle"/>
+          </a:ln>
+        </p:spPr>
+      </p:cxnSp>
+      <p:cxnSp>
+        <p:nvCxnSpPr>
+          <p:cNvPr id="78" name="Google Shape;78;p16"/>
+          <p:cNvCxnSpPr/>
+          <p:nvPr/>
+        </p:nvCxnSpPr>
+        <p:spPr>
+          <a:xfrm rot="10800000">
+            <a:off x="4374075" y="1506075"/>
+            <a:ext cx="14100" cy="2784900"/>
+          </a:xfrm>
+          <a:prstGeom prst="straightConnector1">
+            <a:avLst/>
+          </a:prstGeom>
+          <a:noFill/>
+          <a:ln cap="flat" cmpd="sng" w="9525">
+            <a:solidFill>
+              <a:schemeClr val="dk2"/>
+            </a:solidFill>
+            <a:prstDash val="solid"/>
+            <a:round/>
+            <a:headEnd len="med" w="med" type="none"/>
+            <a:tailEnd len="med" w="med" type="triangle"/>
+          </a:ln>
+        </p:spPr>
+      </p:cxnSp>
+      <p:sp>
+        <p:nvSpPr>
+          <p:cNvPr id="79" name="Google Shape;79;p16"/>
+          <p:cNvSpPr/>
+          <p:nvPr/>
+        </p:nvSpPr>
+        <p:spPr>
+          <a:xfrm>
+            <a:off x="6401875" y="3196800"/>
+            <a:ext cx="213000" cy="213000"/>
+          </a:xfrm>
+          <a:prstGeom prst="ellipse">
+            <a:avLst/>
+          </a:prstGeom>
+          <a:solidFill>
+            <a:srgbClr val="FF0000"/>
+          </a:solidFill>
+          <a:ln cap="flat" cmpd="sng" w="9525">
+            <a:solidFill>
+              <a:srgbClr val="FF0000"/>
+            </a:solidFill>
+            <a:prstDash val="solid"/>
+            <a:round/>
+            <a:headEnd len="sm" w="sm" type="none"/>
+            <a:tailEnd len="sm" w="sm" type="none"/>
+          </a:ln>
+        </p:spPr>
+        <p:txBody>
+          <a:bodyPr anchorCtr="0" anchor="ctr" bIns="91425" lIns="91425" spcFirstLastPara="1" rIns="91425" wrap="square" tIns="91425">
+            <a:noAutofit/>
+          </a:bodyPr>
+          <a:lstStyle/>
+          <a:p>
+            <a:pPr indent="0" lvl="0" marL="0" rtl="0" algn="l">
+              <a:spcBef>
+                <a:spcPts val="0"/>
+              </a:spcBef>
+              <a:spcAft>
+                <a:spcPts val="0"/>
+              </a:spcAft>
+              <a:buNone/>
+            </a:pPr>
+            <a:r>
+              <a:t/>
             </a:r>
             <a:endParaRPr/>
           </a:p>
@@ -8305,72 +9049,935 @@
       </p:sp>
       <p:sp>
         <p:nvSpPr>
-          <p:cNvPr id="78" name="Google Shape;78;p16"/>
-          <p:cNvSpPr txBox="1"/>
-          <p:nvPr>
-            <p:ph idx="1" type="body"/>
-          </p:nvPr>
+          <p:cNvPr id="80" name="Google Shape;80;p16"/>
+          <p:cNvSpPr/>
+          <p:nvPr/>
         </p:nvSpPr>
         <p:spPr>
           <a:xfrm>
-            <a:off x="311700" y="1633975"/>
-            <a:ext cx="1853700" cy="3263400"/>
-          </a:xfrm>
-          <a:prstGeom prst="rect">
+            <a:off x="6188875" y="2800600"/>
+            <a:ext cx="213000" cy="213000"/>
+          </a:xfrm>
+          <a:prstGeom prst="ellipse">
             <a:avLst/>
           </a:prstGeom>
+          <a:solidFill>
+            <a:srgbClr val="FF0000"/>
+          </a:solidFill>
+          <a:ln cap="flat" cmpd="sng" w="9525">
+            <a:solidFill>
+              <a:srgbClr val="FF0000"/>
+            </a:solidFill>
+            <a:prstDash val="solid"/>
+            <a:round/>
+            <a:headEnd len="sm" w="sm" type="none"/>
+            <a:tailEnd len="sm" w="sm" type="none"/>
+          </a:ln>
         </p:spPr>
         <p:txBody>
-          <a:bodyPr anchorCtr="0" anchor="t" bIns="91425" lIns="91425" spcFirstLastPara="1" rIns="91425" wrap="square" tIns="91425">
+          <a:bodyPr anchorCtr="0" anchor="ctr" bIns="91425" lIns="91425" spcFirstLastPara="1" rIns="91425" wrap="square" tIns="91425">
             <a:noAutofit/>
           </a:bodyPr>
           <a:lstStyle/>
           <a:p>
-            <a:pPr indent="0" lvl="0" marL="0" rtl="0" algn="just">
-              <a:spcBef>
-                <a:spcPts val="0"/>
-              </a:spcBef>
-              <a:spcAft>
-                <a:spcPts val="1600"/>
+            <a:pPr indent="0" lvl="0" marL="0" rtl="0" algn="l">
+              <a:spcBef>
+                <a:spcPts val="0"/>
+              </a:spcBef>
+              <a:spcAft>
+                <a:spcPts val="0"/>
               </a:spcAft>
               <a:buNone/>
             </a:pPr>
             <a:r>
-              <a:rPr lang="es"/>
-              <a:t>Proceso iterativo para encontrar centros de k-clusters.</a:t>
+              <a:t/>
             </a:r>
             <a:endParaRPr/>
           </a:p>
         </p:txBody>
       </p:sp>
-      <p:pic>
-        <p:nvPicPr>
-          <p:cNvPr id="79" name="Google Shape;79;p16"/>
-          <p:cNvPicPr preferRelativeResize="0"/>
+      <p:sp>
+        <p:nvSpPr>
+          <p:cNvPr id="81" name="Google Shape;81;p16"/>
+          <p:cNvSpPr/>
           <p:nvPr/>
-        </p:nvPicPr>
-        <p:blipFill>
-          <a:blip r:embed="rId3">
-            <a:alphaModFix/>
-          </a:blip>
-          <a:stretch>
-            <a:fillRect/>
-          </a:stretch>
-        </p:blipFill>
-        <p:spPr>
-          <a:xfrm>
-            <a:off x="2165515" y="292850"/>
-            <a:ext cx="6963983" cy="4698250"/>
-          </a:xfrm>
-          <a:prstGeom prst="rect">
+        </p:nvSpPr>
+        <p:spPr>
+          <a:xfrm>
+            <a:off x="6188875" y="3495425"/>
+            <a:ext cx="213000" cy="213000"/>
+          </a:xfrm>
+          <a:prstGeom prst="ellipse">
             <a:avLst/>
           </a:prstGeom>
-          <a:noFill/>
-          <a:ln>
-            <a:noFill/>
+          <a:solidFill>
+            <a:srgbClr val="FF0000"/>
+          </a:solidFill>
+          <a:ln cap="flat" cmpd="sng" w="9525">
+            <a:solidFill>
+              <a:srgbClr val="FF0000"/>
+            </a:solidFill>
+            <a:prstDash val="solid"/>
+            <a:round/>
+            <a:headEnd len="sm" w="sm" type="none"/>
+            <a:tailEnd len="sm" w="sm" type="none"/>
           </a:ln>
         </p:spPr>
-      </p:pic>
+        <p:txBody>
+          <a:bodyPr anchorCtr="0" anchor="ctr" bIns="91425" lIns="91425" spcFirstLastPara="1" rIns="91425" wrap="square" tIns="91425">
+            <a:noAutofit/>
+          </a:bodyPr>
+          <a:lstStyle/>
+          <a:p>
+            <a:pPr indent="0" lvl="0" marL="0" rtl="0" algn="l">
+              <a:spcBef>
+                <a:spcPts val="0"/>
+              </a:spcBef>
+              <a:spcAft>
+                <a:spcPts val="0"/>
+              </a:spcAft>
+              <a:buNone/>
+            </a:pPr>
+            <a:r>
+              <a:t/>
+            </a:r>
+            <a:endParaRPr/>
+          </a:p>
+        </p:txBody>
+      </p:sp>
+      <p:sp>
+        <p:nvSpPr>
+          <p:cNvPr id="82" name="Google Shape;82;p16"/>
+          <p:cNvSpPr/>
+          <p:nvPr/>
+        </p:nvSpPr>
+        <p:spPr>
+          <a:xfrm>
+            <a:off x="6614875" y="3013600"/>
+            <a:ext cx="213000" cy="213000"/>
+          </a:xfrm>
+          <a:prstGeom prst="ellipse">
+            <a:avLst/>
+          </a:prstGeom>
+          <a:solidFill>
+            <a:srgbClr val="FF0000"/>
+          </a:solidFill>
+          <a:ln cap="flat" cmpd="sng" w="9525">
+            <a:solidFill>
+              <a:srgbClr val="FF0000"/>
+            </a:solidFill>
+            <a:prstDash val="solid"/>
+            <a:round/>
+            <a:headEnd len="sm" w="sm" type="none"/>
+            <a:tailEnd len="sm" w="sm" type="none"/>
+          </a:ln>
+        </p:spPr>
+        <p:txBody>
+          <a:bodyPr anchorCtr="0" anchor="ctr" bIns="91425" lIns="91425" spcFirstLastPara="1" rIns="91425" wrap="square" tIns="91425">
+            <a:noAutofit/>
+          </a:bodyPr>
+          <a:lstStyle/>
+          <a:p>
+            <a:pPr indent="0" lvl="0" marL="0" rtl="0" algn="l">
+              <a:spcBef>
+                <a:spcPts val="0"/>
+              </a:spcBef>
+              <a:spcAft>
+                <a:spcPts val="0"/>
+              </a:spcAft>
+              <a:buNone/>
+            </a:pPr>
+            <a:r>
+              <a:t/>
+            </a:r>
+            <a:endParaRPr/>
+          </a:p>
+        </p:txBody>
+      </p:sp>
+      <p:sp>
+        <p:nvSpPr>
+          <p:cNvPr id="83" name="Google Shape;83;p16"/>
+          <p:cNvSpPr/>
+          <p:nvPr/>
+        </p:nvSpPr>
+        <p:spPr>
+          <a:xfrm>
+            <a:off x="6614875" y="3495425"/>
+            <a:ext cx="213000" cy="213000"/>
+          </a:xfrm>
+          <a:prstGeom prst="ellipse">
+            <a:avLst/>
+          </a:prstGeom>
+          <a:solidFill>
+            <a:srgbClr val="FF0000"/>
+          </a:solidFill>
+          <a:ln cap="flat" cmpd="sng" w="9525">
+            <a:solidFill>
+              <a:srgbClr val="FF0000"/>
+            </a:solidFill>
+            <a:prstDash val="solid"/>
+            <a:round/>
+            <a:headEnd len="sm" w="sm" type="none"/>
+            <a:tailEnd len="sm" w="sm" type="none"/>
+          </a:ln>
+        </p:spPr>
+        <p:txBody>
+          <a:bodyPr anchorCtr="0" anchor="ctr" bIns="91425" lIns="91425" spcFirstLastPara="1" rIns="91425" wrap="square" tIns="91425">
+            <a:noAutofit/>
+          </a:bodyPr>
+          <a:lstStyle/>
+          <a:p>
+            <a:pPr indent="0" lvl="0" marL="0" rtl="0" algn="l">
+              <a:spcBef>
+                <a:spcPts val="0"/>
+              </a:spcBef>
+              <a:spcAft>
+                <a:spcPts val="0"/>
+              </a:spcAft>
+              <a:buNone/>
+            </a:pPr>
+            <a:r>
+              <a:t/>
+            </a:r>
+            <a:endParaRPr/>
+          </a:p>
+        </p:txBody>
+      </p:sp>
+      <p:sp>
+        <p:nvSpPr>
+          <p:cNvPr id="84" name="Google Shape;84;p16"/>
+          <p:cNvSpPr/>
+          <p:nvPr/>
+        </p:nvSpPr>
+        <p:spPr>
+          <a:xfrm>
+            <a:off x="6552900" y="2714075"/>
+            <a:ext cx="213000" cy="213000"/>
+          </a:xfrm>
+          <a:prstGeom prst="ellipse">
+            <a:avLst/>
+          </a:prstGeom>
+          <a:solidFill>
+            <a:srgbClr val="FF0000"/>
+          </a:solidFill>
+          <a:ln cap="flat" cmpd="sng" w="9525">
+            <a:solidFill>
+              <a:srgbClr val="FF0000"/>
+            </a:solidFill>
+            <a:prstDash val="solid"/>
+            <a:round/>
+            <a:headEnd len="sm" w="sm" type="none"/>
+            <a:tailEnd len="sm" w="sm" type="none"/>
+          </a:ln>
+        </p:spPr>
+        <p:txBody>
+          <a:bodyPr anchorCtr="0" anchor="ctr" bIns="91425" lIns="91425" spcFirstLastPara="1" rIns="91425" wrap="square" tIns="91425">
+            <a:noAutofit/>
+          </a:bodyPr>
+          <a:lstStyle/>
+          <a:p>
+            <a:pPr indent="0" lvl="0" marL="0" rtl="0" algn="l">
+              <a:spcBef>
+                <a:spcPts val="0"/>
+              </a:spcBef>
+              <a:spcAft>
+                <a:spcPts val="0"/>
+              </a:spcAft>
+              <a:buNone/>
+            </a:pPr>
+            <a:r>
+              <a:t/>
+            </a:r>
+            <a:endParaRPr/>
+          </a:p>
+        </p:txBody>
+      </p:sp>
+      <p:sp>
+        <p:nvSpPr>
+          <p:cNvPr id="85" name="Google Shape;85;p16"/>
+          <p:cNvSpPr/>
+          <p:nvPr/>
+        </p:nvSpPr>
+        <p:spPr>
+          <a:xfrm>
+            <a:off x="6827875" y="3282425"/>
+            <a:ext cx="213000" cy="213000"/>
+          </a:xfrm>
+          <a:prstGeom prst="ellipse">
+            <a:avLst/>
+          </a:prstGeom>
+          <a:solidFill>
+            <a:srgbClr val="FF0000"/>
+          </a:solidFill>
+          <a:ln cap="flat" cmpd="sng" w="9525">
+            <a:solidFill>
+              <a:srgbClr val="FF0000"/>
+            </a:solidFill>
+            <a:prstDash val="solid"/>
+            <a:round/>
+            <a:headEnd len="sm" w="sm" type="none"/>
+            <a:tailEnd len="sm" w="sm" type="none"/>
+          </a:ln>
+        </p:spPr>
+        <p:txBody>
+          <a:bodyPr anchorCtr="0" anchor="ctr" bIns="91425" lIns="91425" spcFirstLastPara="1" rIns="91425" wrap="square" tIns="91425">
+            <a:noAutofit/>
+          </a:bodyPr>
+          <a:lstStyle/>
+          <a:p>
+            <a:pPr indent="0" lvl="0" marL="0" rtl="0" algn="l">
+              <a:spcBef>
+                <a:spcPts val="0"/>
+              </a:spcBef>
+              <a:spcAft>
+                <a:spcPts val="0"/>
+              </a:spcAft>
+              <a:buNone/>
+            </a:pPr>
+            <a:r>
+              <a:t/>
+            </a:r>
+            <a:endParaRPr/>
+          </a:p>
+        </p:txBody>
+      </p:sp>
+      <p:sp>
+        <p:nvSpPr>
+          <p:cNvPr id="86" name="Google Shape;86;p16"/>
+          <p:cNvSpPr/>
+          <p:nvPr/>
+        </p:nvSpPr>
+        <p:spPr>
+          <a:xfrm>
+            <a:off x="6341275" y="3647825"/>
+            <a:ext cx="213000" cy="213000"/>
+          </a:xfrm>
+          <a:prstGeom prst="ellipse">
+            <a:avLst/>
+          </a:prstGeom>
+          <a:solidFill>
+            <a:srgbClr val="FF0000"/>
+          </a:solidFill>
+          <a:ln cap="flat" cmpd="sng" w="9525">
+            <a:solidFill>
+              <a:srgbClr val="FF0000"/>
+            </a:solidFill>
+            <a:prstDash val="solid"/>
+            <a:round/>
+            <a:headEnd len="sm" w="sm" type="none"/>
+            <a:tailEnd len="sm" w="sm" type="none"/>
+          </a:ln>
+        </p:spPr>
+        <p:txBody>
+          <a:bodyPr anchorCtr="0" anchor="ctr" bIns="91425" lIns="91425" spcFirstLastPara="1" rIns="91425" wrap="square" tIns="91425">
+            <a:noAutofit/>
+          </a:bodyPr>
+          <a:lstStyle/>
+          <a:p>
+            <a:pPr indent="0" lvl="0" marL="0" rtl="0" algn="l">
+              <a:spcBef>
+                <a:spcPts val="0"/>
+              </a:spcBef>
+              <a:spcAft>
+                <a:spcPts val="0"/>
+              </a:spcAft>
+              <a:buNone/>
+            </a:pPr>
+            <a:r>
+              <a:t/>
+            </a:r>
+            <a:endParaRPr/>
+          </a:p>
+        </p:txBody>
+      </p:sp>
+      <p:sp>
+        <p:nvSpPr>
+          <p:cNvPr id="87" name="Google Shape;87;p16"/>
+          <p:cNvSpPr/>
+          <p:nvPr/>
+        </p:nvSpPr>
+        <p:spPr>
+          <a:xfrm>
+            <a:off x="5015975" y="2578813"/>
+            <a:ext cx="213000" cy="213000"/>
+          </a:xfrm>
+          <a:prstGeom prst="ellipse">
+            <a:avLst/>
+          </a:prstGeom>
+          <a:solidFill>
+            <a:srgbClr val="FF0000"/>
+          </a:solidFill>
+          <a:ln cap="flat" cmpd="sng" w="9525">
+            <a:solidFill>
+              <a:srgbClr val="FF0000"/>
+            </a:solidFill>
+            <a:prstDash val="solid"/>
+            <a:round/>
+            <a:headEnd len="sm" w="sm" type="none"/>
+            <a:tailEnd len="sm" w="sm" type="none"/>
+          </a:ln>
+        </p:spPr>
+        <p:txBody>
+          <a:bodyPr anchorCtr="0" anchor="ctr" bIns="91425" lIns="91425" spcFirstLastPara="1" rIns="91425" wrap="square" tIns="91425">
+            <a:noAutofit/>
+          </a:bodyPr>
+          <a:lstStyle/>
+          <a:p>
+            <a:pPr indent="0" lvl="0" marL="0" rtl="0" algn="l">
+              <a:spcBef>
+                <a:spcPts val="0"/>
+              </a:spcBef>
+              <a:spcAft>
+                <a:spcPts val="0"/>
+              </a:spcAft>
+              <a:buNone/>
+            </a:pPr>
+            <a:r>
+              <a:t/>
+            </a:r>
+            <a:endParaRPr/>
+          </a:p>
+        </p:txBody>
+      </p:sp>
+      <p:sp>
+        <p:nvSpPr>
+          <p:cNvPr id="88" name="Google Shape;88;p16"/>
+          <p:cNvSpPr/>
+          <p:nvPr/>
+        </p:nvSpPr>
+        <p:spPr>
+          <a:xfrm>
+            <a:off x="4770338" y="2858550"/>
+            <a:ext cx="213000" cy="213000"/>
+          </a:xfrm>
+          <a:prstGeom prst="ellipse">
+            <a:avLst/>
+          </a:prstGeom>
+          <a:solidFill>
+            <a:srgbClr val="FF0000"/>
+          </a:solidFill>
+          <a:ln cap="flat" cmpd="sng" w="9525">
+            <a:solidFill>
+              <a:srgbClr val="FF0000"/>
+            </a:solidFill>
+            <a:prstDash val="solid"/>
+            <a:round/>
+            <a:headEnd len="sm" w="sm" type="none"/>
+            <a:tailEnd len="sm" w="sm" type="none"/>
+          </a:ln>
+        </p:spPr>
+        <p:txBody>
+          <a:bodyPr anchorCtr="0" anchor="ctr" bIns="91425" lIns="91425" spcFirstLastPara="1" rIns="91425" wrap="square" tIns="91425">
+            <a:noAutofit/>
+          </a:bodyPr>
+          <a:lstStyle/>
+          <a:p>
+            <a:pPr indent="0" lvl="0" marL="0" rtl="0" algn="l">
+              <a:spcBef>
+                <a:spcPts val="0"/>
+              </a:spcBef>
+              <a:spcAft>
+                <a:spcPts val="0"/>
+              </a:spcAft>
+              <a:buNone/>
+            </a:pPr>
+            <a:r>
+              <a:t/>
+            </a:r>
+            <a:endParaRPr/>
+          </a:p>
+        </p:txBody>
+      </p:sp>
+      <p:sp>
+        <p:nvSpPr>
+          <p:cNvPr id="89" name="Google Shape;89;p16"/>
+          <p:cNvSpPr/>
+          <p:nvPr/>
+        </p:nvSpPr>
+        <p:spPr>
+          <a:xfrm>
+            <a:off x="4983338" y="2858550"/>
+            <a:ext cx="213000" cy="213000"/>
+          </a:xfrm>
+          <a:prstGeom prst="ellipse">
+            <a:avLst/>
+          </a:prstGeom>
+          <a:solidFill>
+            <a:srgbClr val="FF0000"/>
+          </a:solidFill>
+          <a:ln cap="flat" cmpd="sng" w="9525">
+            <a:solidFill>
+              <a:srgbClr val="FF0000"/>
+            </a:solidFill>
+            <a:prstDash val="solid"/>
+            <a:round/>
+            <a:headEnd len="sm" w="sm" type="none"/>
+            <a:tailEnd len="sm" w="sm" type="none"/>
+          </a:ln>
+        </p:spPr>
+        <p:txBody>
+          <a:bodyPr anchorCtr="0" anchor="ctr" bIns="91425" lIns="91425" spcFirstLastPara="1" rIns="91425" wrap="square" tIns="91425">
+            <a:noAutofit/>
+          </a:bodyPr>
+          <a:lstStyle/>
+          <a:p>
+            <a:pPr indent="0" lvl="0" marL="0" rtl="0" algn="l">
+              <a:spcBef>
+                <a:spcPts val="0"/>
+              </a:spcBef>
+              <a:spcAft>
+                <a:spcPts val="0"/>
+              </a:spcAft>
+              <a:buNone/>
+            </a:pPr>
+            <a:r>
+              <a:t/>
+            </a:r>
+            <a:endParaRPr/>
+          </a:p>
+        </p:txBody>
+      </p:sp>
+      <p:sp>
+        <p:nvSpPr>
+          <p:cNvPr id="90" name="Google Shape;90;p16"/>
+          <p:cNvSpPr/>
+          <p:nvPr/>
+        </p:nvSpPr>
+        <p:spPr>
+          <a:xfrm>
+            <a:off x="5364038" y="2858550"/>
+            <a:ext cx="213000" cy="213000"/>
+          </a:xfrm>
+          <a:prstGeom prst="ellipse">
+            <a:avLst/>
+          </a:prstGeom>
+          <a:solidFill>
+            <a:srgbClr val="FF0000"/>
+          </a:solidFill>
+          <a:ln cap="flat" cmpd="sng" w="9525">
+            <a:solidFill>
+              <a:srgbClr val="FF0000"/>
+            </a:solidFill>
+            <a:prstDash val="solid"/>
+            <a:round/>
+            <a:headEnd len="sm" w="sm" type="none"/>
+            <a:tailEnd len="sm" w="sm" type="none"/>
+          </a:ln>
+        </p:spPr>
+        <p:txBody>
+          <a:bodyPr anchorCtr="0" anchor="ctr" bIns="91425" lIns="91425" spcFirstLastPara="1" rIns="91425" wrap="square" tIns="91425">
+            <a:noAutofit/>
+          </a:bodyPr>
+          <a:lstStyle/>
+          <a:p>
+            <a:pPr indent="0" lvl="0" marL="0" rtl="0" algn="l">
+              <a:spcBef>
+                <a:spcPts val="0"/>
+              </a:spcBef>
+              <a:spcAft>
+                <a:spcPts val="0"/>
+              </a:spcAft>
+              <a:buNone/>
+            </a:pPr>
+            <a:r>
+              <a:t/>
+            </a:r>
+            <a:endParaRPr/>
+          </a:p>
+        </p:txBody>
+      </p:sp>
+      <p:sp>
+        <p:nvSpPr>
+          <p:cNvPr id="91" name="Google Shape;91;p16"/>
+          <p:cNvSpPr/>
+          <p:nvPr/>
+        </p:nvSpPr>
+        <p:spPr>
+          <a:xfrm>
+            <a:off x="5182025" y="3567663"/>
+            <a:ext cx="213000" cy="213000"/>
+          </a:xfrm>
+          <a:prstGeom prst="ellipse">
+            <a:avLst/>
+          </a:prstGeom>
+          <a:solidFill>
+            <a:srgbClr val="FF0000"/>
+          </a:solidFill>
+          <a:ln cap="flat" cmpd="sng" w="9525">
+            <a:solidFill>
+              <a:srgbClr val="FF0000"/>
+            </a:solidFill>
+            <a:prstDash val="solid"/>
+            <a:round/>
+            <a:headEnd len="sm" w="sm" type="none"/>
+            <a:tailEnd len="sm" w="sm" type="none"/>
+          </a:ln>
+        </p:spPr>
+        <p:txBody>
+          <a:bodyPr anchorCtr="0" anchor="ctr" bIns="91425" lIns="91425" spcFirstLastPara="1" rIns="91425" wrap="square" tIns="91425">
+            <a:noAutofit/>
+          </a:bodyPr>
+          <a:lstStyle/>
+          <a:p>
+            <a:pPr indent="0" lvl="0" marL="0" rtl="0" algn="l">
+              <a:spcBef>
+                <a:spcPts val="0"/>
+              </a:spcBef>
+              <a:spcAft>
+                <a:spcPts val="0"/>
+              </a:spcAft>
+              <a:buNone/>
+            </a:pPr>
+            <a:r>
+              <a:t/>
+            </a:r>
+            <a:endParaRPr/>
+          </a:p>
+        </p:txBody>
+      </p:sp>
+      <p:sp>
+        <p:nvSpPr>
+          <p:cNvPr id="92" name="Google Shape;92;p16"/>
+          <p:cNvSpPr/>
+          <p:nvPr/>
+        </p:nvSpPr>
+        <p:spPr>
+          <a:xfrm>
+            <a:off x="4830938" y="3571625"/>
+            <a:ext cx="213000" cy="213000"/>
+          </a:xfrm>
+          <a:prstGeom prst="ellipse">
+            <a:avLst/>
+          </a:prstGeom>
+          <a:solidFill>
+            <a:srgbClr val="FF0000"/>
+          </a:solidFill>
+          <a:ln cap="flat" cmpd="sng" w="9525">
+            <a:solidFill>
+              <a:srgbClr val="FF0000"/>
+            </a:solidFill>
+            <a:prstDash val="solid"/>
+            <a:round/>
+            <a:headEnd len="sm" w="sm" type="none"/>
+            <a:tailEnd len="sm" w="sm" type="none"/>
+          </a:ln>
+        </p:spPr>
+        <p:txBody>
+          <a:bodyPr anchorCtr="0" anchor="ctr" bIns="91425" lIns="91425" spcFirstLastPara="1" rIns="91425" wrap="square" tIns="91425">
+            <a:noAutofit/>
+          </a:bodyPr>
+          <a:lstStyle/>
+          <a:p>
+            <a:pPr indent="0" lvl="0" marL="0" rtl="0" algn="l">
+              <a:spcBef>
+                <a:spcPts val="0"/>
+              </a:spcBef>
+              <a:spcAft>
+                <a:spcPts val="0"/>
+              </a:spcAft>
+              <a:buNone/>
+            </a:pPr>
+            <a:r>
+              <a:t/>
+            </a:r>
+            <a:endParaRPr/>
+          </a:p>
+        </p:txBody>
+      </p:sp>
+      <p:sp>
+        <p:nvSpPr>
+          <p:cNvPr id="93" name="Google Shape;93;p16"/>
+          <p:cNvSpPr/>
+          <p:nvPr/>
+        </p:nvSpPr>
+        <p:spPr>
+          <a:xfrm>
+            <a:off x="5059538" y="3800225"/>
+            <a:ext cx="213000" cy="213000"/>
+          </a:xfrm>
+          <a:prstGeom prst="ellipse">
+            <a:avLst/>
+          </a:prstGeom>
+          <a:solidFill>
+            <a:srgbClr val="FF0000"/>
+          </a:solidFill>
+          <a:ln cap="flat" cmpd="sng" w="9525">
+            <a:solidFill>
+              <a:srgbClr val="FF0000"/>
+            </a:solidFill>
+            <a:prstDash val="solid"/>
+            <a:round/>
+            <a:headEnd len="sm" w="sm" type="none"/>
+            <a:tailEnd len="sm" w="sm" type="none"/>
+          </a:ln>
+        </p:spPr>
+        <p:txBody>
+          <a:bodyPr anchorCtr="0" anchor="ctr" bIns="91425" lIns="91425" spcFirstLastPara="1" rIns="91425" wrap="square" tIns="91425">
+            <a:noAutofit/>
+          </a:bodyPr>
+          <a:lstStyle/>
+          <a:p>
+            <a:pPr indent="0" lvl="0" marL="0" rtl="0" algn="l">
+              <a:spcBef>
+                <a:spcPts val="0"/>
+              </a:spcBef>
+              <a:spcAft>
+                <a:spcPts val="0"/>
+              </a:spcAft>
+              <a:buNone/>
+            </a:pPr>
+            <a:r>
+              <a:t/>
+            </a:r>
+            <a:endParaRPr/>
+          </a:p>
+        </p:txBody>
+      </p:sp>
+      <p:sp>
+        <p:nvSpPr>
+          <p:cNvPr id="94" name="Google Shape;94;p16"/>
+          <p:cNvSpPr/>
+          <p:nvPr/>
+        </p:nvSpPr>
+        <p:spPr>
+          <a:xfrm>
+            <a:off x="5288138" y="3952625"/>
+            <a:ext cx="213000" cy="213000"/>
+          </a:xfrm>
+          <a:prstGeom prst="ellipse">
+            <a:avLst/>
+          </a:prstGeom>
+          <a:solidFill>
+            <a:srgbClr val="FF0000"/>
+          </a:solidFill>
+          <a:ln cap="flat" cmpd="sng" w="9525">
+            <a:solidFill>
+              <a:srgbClr val="FF0000"/>
+            </a:solidFill>
+            <a:prstDash val="solid"/>
+            <a:round/>
+            <a:headEnd len="sm" w="sm" type="none"/>
+            <a:tailEnd len="sm" w="sm" type="none"/>
+          </a:ln>
+        </p:spPr>
+        <p:txBody>
+          <a:bodyPr anchorCtr="0" anchor="ctr" bIns="91425" lIns="91425" spcFirstLastPara="1" rIns="91425" wrap="square" tIns="91425">
+            <a:noAutofit/>
+          </a:bodyPr>
+          <a:lstStyle/>
+          <a:p>
+            <a:pPr indent="0" lvl="0" marL="0" rtl="0" algn="l">
+              <a:spcBef>
+                <a:spcPts val="0"/>
+              </a:spcBef>
+              <a:spcAft>
+                <a:spcPts val="0"/>
+              </a:spcAft>
+              <a:buNone/>
+            </a:pPr>
+            <a:r>
+              <a:t/>
+            </a:r>
+            <a:endParaRPr/>
+          </a:p>
+        </p:txBody>
+      </p:sp>
+      <p:sp>
+        <p:nvSpPr>
+          <p:cNvPr id="95" name="Google Shape;95;p16"/>
+          <p:cNvSpPr/>
+          <p:nvPr/>
+        </p:nvSpPr>
+        <p:spPr>
+          <a:xfrm>
+            <a:off x="5440538" y="3724025"/>
+            <a:ext cx="213000" cy="213000"/>
+          </a:xfrm>
+          <a:prstGeom prst="ellipse">
+            <a:avLst/>
+          </a:prstGeom>
+          <a:solidFill>
+            <a:srgbClr val="FF0000"/>
+          </a:solidFill>
+          <a:ln cap="flat" cmpd="sng" w="9525">
+            <a:solidFill>
+              <a:srgbClr val="FF0000"/>
+            </a:solidFill>
+            <a:prstDash val="solid"/>
+            <a:round/>
+            <a:headEnd len="sm" w="sm" type="none"/>
+            <a:tailEnd len="sm" w="sm" type="none"/>
+          </a:ln>
+        </p:spPr>
+        <p:txBody>
+          <a:bodyPr anchorCtr="0" anchor="ctr" bIns="91425" lIns="91425" spcFirstLastPara="1" rIns="91425" wrap="square" tIns="91425">
+            <a:noAutofit/>
+          </a:bodyPr>
+          <a:lstStyle/>
+          <a:p>
+            <a:pPr indent="0" lvl="0" marL="0" rtl="0" algn="l">
+              <a:spcBef>
+                <a:spcPts val="0"/>
+              </a:spcBef>
+              <a:spcAft>
+                <a:spcPts val="0"/>
+              </a:spcAft>
+              <a:buNone/>
+            </a:pPr>
+            <a:r>
+              <a:t/>
+            </a:r>
+            <a:endParaRPr/>
+          </a:p>
+        </p:txBody>
+      </p:sp>
+      <p:sp>
+        <p:nvSpPr>
+          <p:cNvPr id="96" name="Google Shape;96;p16"/>
+          <p:cNvSpPr/>
+          <p:nvPr/>
+        </p:nvSpPr>
+        <p:spPr>
+          <a:xfrm>
+            <a:off x="6341275" y="2495800"/>
+            <a:ext cx="213000" cy="213000"/>
+          </a:xfrm>
+          <a:prstGeom prst="ellipse">
+            <a:avLst/>
+          </a:prstGeom>
+          <a:solidFill>
+            <a:srgbClr val="FF0000"/>
+          </a:solidFill>
+          <a:ln cap="flat" cmpd="sng" w="9525">
+            <a:solidFill>
+              <a:srgbClr val="FF0000"/>
+            </a:solidFill>
+            <a:prstDash val="solid"/>
+            <a:round/>
+            <a:headEnd len="sm" w="sm" type="none"/>
+            <a:tailEnd len="sm" w="sm" type="none"/>
+          </a:ln>
+        </p:spPr>
+        <p:txBody>
+          <a:bodyPr anchorCtr="0" anchor="ctr" bIns="91425" lIns="91425" spcFirstLastPara="1" rIns="91425" wrap="square" tIns="91425">
+            <a:noAutofit/>
+          </a:bodyPr>
+          <a:lstStyle/>
+          <a:p>
+            <a:pPr indent="0" lvl="0" marL="0" rtl="0" algn="l">
+              <a:spcBef>
+                <a:spcPts val="0"/>
+              </a:spcBef>
+              <a:spcAft>
+                <a:spcPts val="0"/>
+              </a:spcAft>
+              <a:buNone/>
+            </a:pPr>
+            <a:r>
+              <a:t/>
+            </a:r>
+            <a:endParaRPr/>
+          </a:p>
+        </p:txBody>
+      </p:sp>
+      <p:sp>
+        <p:nvSpPr>
+          <p:cNvPr id="97" name="Google Shape;97;p16"/>
+          <p:cNvSpPr/>
+          <p:nvPr/>
+        </p:nvSpPr>
+        <p:spPr>
+          <a:xfrm>
+            <a:off x="6874675" y="2800600"/>
+            <a:ext cx="213000" cy="213000"/>
+          </a:xfrm>
+          <a:prstGeom prst="ellipse">
+            <a:avLst/>
+          </a:prstGeom>
+          <a:solidFill>
+            <a:srgbClr val="FF0000"/>
+          </a:solidFill>
+          <a:ln cap="flat" cmpd="sng" w="9525">
+            <a:solidFill>
+              <a:srgbClr val="FF0000"/>
+            </a:solidFill>
+            <a:prstDash val="solid"/>
+            <a:round/>
+            <a:headEnd len="sm" w="sm" type="none"/>
+            <a:tailEnd len="sm" w="sm" type="none"/>
+          </a:ln>
+        </p:spPr>
+        <p:txBody>
+          <a:bodyPr anchorCtr="0" anchor="ctr" bIns="91425" lIns="91425" spcFirstLastPara="1" rIns="91425" wrap="square" tIns="91425">
+            <a:noAutofit/>
+          </a:bodyPr>
+          <a:lstStyle/>
+          <a:p>
+            <a:pPr indent="0" lvl="0" marL="0" rtl="0" algn="l">
+              <a:spcBef>
+                <a:spcPts val="0"/>
+              </a:spcBef>
+              <a:spcAft>
+                <a:spcPts val="0"/>
+              </a:spcAft>
+              <a:buNone/>
+            </a:pPr>
+            <a:r>
+              <a:t/>
+            </a:r>
+            <a:endParaRPr/>
+          </a:p>
+        </p:txBody>
+      </p:sp>
+      <p:sp>
+        <p:nvSpPr>
+          <p:cNvPr id="98" name="Google Shape;98;p16"/>
+          <p:cNvSpPr/>
+          <p:nvPr/>
+        </p:nvSpPr>
+        <p:spPr>
+          <a:xfrm>
+            <a:off x="5288138" y="2504825"/>
+            <a:ext cx="213000" cy="213000"/>
+          </a:xfrm>
+          <a:prstGeom prst="ellipse">
+            <a:avLst/>
+          </a:prstGeom>
+          <a:solidFill>
+            <a:srgbClr val="FF0000"/>
+          </a:solidFill>
+          <a:ln cap="flat" cmpd="sng" w="9525">
+            <a:solidFill>
+              <a:srgbClr val="FF0000"/>
+            </a:solidFill>
+            <a:prstDash val="solid"/>
+            <a:round/>
+            <a:headEnd len="sm" w="sm" type="none"/>
+            <a:tailEnd len="sm" w="sm" type="none"/>
+          </a:ln>
+        </p:spPr>
+        <p:txBody>
+          <a:bodyPr anchorCtr="0" anchor="ctr" bIns="91425" lIns="91425" spcFirstLastPara="1" rIns="91425" wrap="square" tIns="91425">
+            <a:noAutofit/>
+          </a:bodyPr>
+          <a:lstStyle/>
+          <a:p>
+            <a:pPr indent="0" lvl="0" marL="0" rtl="0" algn="l">
+              <a:spcBef>
+                <a:spcPts val="0"/>
+              </a:spcBef>
+              <a:spcAft>
+                <a:spcPts val="0"/>
+              </a:spcAft>
+              <a:buNone/>
+            </a:pPr>
+            <a:r>
+              <a:t/>
+            </a:r>
+            <a:endParaRPr/>
+          </a:p>
+        </p:txBody>
+      </p:sp>
     </p:spTree>
   </p:cSld>
   <p:clrMapOvr>
@@ -8380,315 +9987,6 @@
 </file>
 
 <file path=ppt/slides/slide5.xml><?xml version="1.0" encoding="utf-8"?>
-<p:sld xmlns:a="http://schemas.openxmlformats.org/drawingml/2006/main" xmlns:r="http://schemas.openxmlformats.org/officeDocument/2006/relationships" xmlns:mc="http://schemas.openxmlformats.org/markup-compatibility/2006" xmlns:mv="urn:schemas-microsoft-com:mac:vml" xmlns:p="http://schemas.openxmlformats.org/presentationml/2006/main" xmlns:c="http://schemas.openxmlformats.org/drawingml/2006/chart" xmlns:dgm="http://schemas.openxmlformats.org/drawingml/2006/diagram" xmlns:o="urn:schemas-microsoft-com:office:office" xmlns:v="urn:schemas-microsoft-com:vml" xmlns:pvml="urn:schemas-microsoft-com:office:powerpoint" xmlns:com="http://schemas.openxmlformats.org/drawingml/2006/compatibility" xmlns:p14="http://schemas.microsoft.com/office/powerpoint/2010/main" xmlns:p15="http://schemas.microsoft.com/office/powerpoint/2012/main" xmlns:ahyp="http://schemas.microsoft.com/office/drawing/2018/hyperlinkcolor">
-  <p:cSld>
-    <p:spTree>
-      <p:nvGrpSpPr>
-        <p:cNvPr id="83" name="Shape 83"/>
-        <p:cNvGrpSpPr/>
-        <p:nvPr/>
-      </p:nvGrpSpPr>
-      <p:grpSpPr>
-        <a:xfrm>
-          <a:off x="0" y="0"/>
-          <a:ext cx="0" cy="0"/>
-          <a:chOff x="0" y="0"/>
-          <a:chExt cx="0" cy="0"/>
-        </a:xfrm>
-      </p:grpSpPr>
-      <p:sp>
-        <p:nvSpPr>
-          <p:cNvPr id="84" name="Google Shape;84;p17"/>
-          <p:cNvSpPr txBox="1"/>
-          <p:nvPr>
-            <p:ph type="title"/>
-          </p:nvPr>
-        </p:nvSpPr>
-        <p:spPr>
-          <a:xfrm>
-            <a:off x="311700" y="292850"/>
-            <a:ext cx="8520600" cy="801000"/>
-          </a:xfrm>
-          <a:prstGeom prst="rect">
-            <a:avLst/>
-          </a:prstGeom>
-        </p:spPr>
-        <p:txBody>
-          <a:bodyPr anchorCtr="0" anchor="t" bIns="91425" lIns="91425" spcFirstLastPara="1" rIns="91425" wrap="square" tIns="91425">
-            <a:noAutofit/>
-          </a:bodyPr>
-          <a:lstStyle/>
-          <a:p>
-            <a:pPr indent="0" lvl="0" marL="0" rtl="0" algn="l">
-              <a:spcBef>
-                <a:spcPts val="0"/>
-              </a:spcBef>
-              <a:spcAft>
-                <a:spcPts val="0"/>
-              </a:spcAft>
-              <a:buNone/>
-            </a:pPr>
-            <a:r>
-              <a:rPr lang="es"/>
-              <a:t>medidas de distancia</a:t>
-            </a:r>
-            <a:endParaRPr/>
-          </a:p>
-        </p:txBody>
-      </p:sp>
-      <p:sp>
-        <p:nvSpPr>
-          <p:cNvPr id="85" name="Google Shape;85;p17"/>
-          <p:cNvSpPr txBox="1"/>
-          <p:nvPr>
-            <p:ph idx="1" type="body"/>
-          </p:nvPr>
-        </p:nvSpPr>
-        <p:spPr>
-          <a:xfrm>
-            <a:off x="311700" y="1100575"/>
-            <a:ext cx="3579300" cy="3263400"/>
-          </a:xfrm>
-          <a:prstGeom prst="rect">
-            <a:avLst/>
-          </a:prstGeom>
-        </p:spPr>
-        <p:txBody>
-          <a:bodyPr anchorCtr="0" anchor="t" bIns="91425" lIns="91425" spcFirstLastPara="1" rIns="91425" wrap="square" tIns="91425">
-            <a:noAutofit/>
-          </a:bodyPr>
-          <a:lstStyle/>
-          <a:p>
-            <a:pPr indent="0" lvl="0" marL="0" rtl="0" algn="just">
-              <a:spcBef>
-                <a:spcPts val="0"/>
-              </a:spcBef>
-              <a:spcAft>
-                <a:spcPts val="1600"/>
-              </a:spcAft>
-              <a:buNone/>
-            </a:pPr>
-            <a:r>
-              <a:rPr lang="es"/>
-              <a:t>Usualmente medimos que tan parecida es una instancia de otra con la distancia. La distancia Euclidiana es la medida más común pero a veces no la más conveniente. Otra opción es la distancia de Manhattan</a:t>
-            </a:r>
-            <a:endParaRPr/>
-          </a:p>
-        </p:txBody>
-      </p:sp>
-      <p:pic>
-        <p:nvPicPr>
-          <p:cNvPr id="86" name="Google Shape;86;p17"/>
-          <p:cNvPicPr preferRelativeResize="0"/>
-          <p:nvPr/>
-        </p:nvPicPr>
-        <p:blipFill>
-          <a:blip r:embed="rId3">
-            <a:alphaModFix/>
-          </a:blip>
-          <a:stretch>
-            <a:fillRect/>
-          </a:stretch>
-        </p:blipFill>
-        <p:spPr>
-          <a:xfrm>
-            <a:off x="5129651" y="297900"/>
-            <a:ext cx="2789500" cy="2000025"/>
-          </a:xfrm>
-          <a:prstGeom prst="rect">
-            <a:avLst/>
-          </a:prstGeom>
-          <a:noFill/>
-          <a:ln>
-            <a:noFill/>
-          </a:ln>
-        </p:spPr>
-      </p:pic>
-      <p:pic>
-        <p:nvPicPr>
-          <p:cNvPr id="87" name="Google Shape;87;p17"/>
-          <p:cNvPicPr preferRelativeResize="0"/>
-          <p:nvPr/>
-        </p:nvPicPr>
-        <p:blipFill>
-          <a:blip r:embed="rId4">
-            <a:alphaModFix/>
-          </a:blip>
-          <a:stretch>
-            <a:fillRect/>
-          </a:stretch>
-        </p:blipFill>
-        <p:spPr>
-          <a:xfrm>
-            <a:off x="3976125" y="2336300"/>
-            <a:ext cx="5167871" cy="524525"/>
-          </a:xfrm>
-          <a:prstGeom prst="rect">
-            <a:avLst/>
-          </a:prstGeom>
-          <a:noFill/>
-          <a:ln>
-            <a:noFill/>
-          </a:ln>
-        </p:spPr>
-      </p:pic>
-      <p:pic>
-        <p:nvPicPr>
-          <p:cNvPr id="88" name="Google Shape;88;p17"/>
-          <p:cNvPicPr preferRelativeResize="0"/>
-          <p:nvPr/>
-        </p:nvPicPr>
-        <p:blipFill>
-          <a:blip r:embed="rId5">
-            <a:alphaModFix/>
-          </a:blip>
-          <a:stretch>
-            <a:fillRect/>
-          </a:stretch>
-        </p:blipFill>
-        <p:spPr>
-          <a:xfrm>
-            <a:off x="5643600" y="3013225"/>
-            <a:ext cx="1977876" cy="1977876"/>
-          </a:xfrm>
-          <a:prstGeom prst="rect">
-            <a:avLst/>
-          </a:prstGeom>
-          <a:noFill/>
-          <a:ln>
-            <a:noFill/>
-          </a:ln>
-        </p:spPr>
-      </p:pic>
-    </p:spTree>
-  </p:cSld>
-  <p:clrMapOvr>
-    <a:masterClrMapping/>
-  </p:clrMapOvr>
-</p:sld>
-</file>
-
-<file path=ppt/slides/slide6.xml><?xml version="1.0" encoding="utf-8"?>
-<p:sld xmlns:a="http://schemas.openxmlformats.org/drawingml/2006/main" xmlns:r="http://schemas.openxmlformats.org/officeDocument/2006/relationships" xmlns:mc="http://schemas.openxmlformats.org/markup-compatibility/2006" xmlns:mv="urn:schemas-microsoft-com:mac:vml" xmlns:p="http://schemas.openxmlformats.org/presentationml/2006/main" xmlns:c="http://schemas.openxmlformats.org/drawingml/2006/chart" xmlns:dgm="http://schemas.openxmlformats.org/drawingml/2006/diagram" xmlns:o="urn:schemas-microsoft-com:office:office" xmlns:v="urn:schemas-microsoft-com:vml" xmlns:pvml="urn:schemas-microsoft-com:office:powerpoint" xmlns:com="http://schemas.openxmlformats.org/drawingml/2006/compatibility" xmlns:p14="http://schemas.microsoft.com/office/powerpoint/2010/main" xmlns:p15="http://schemas.microsoft.com/office/powerpoint/2012/main" xmlns:ahyp="http://schemas.microsoft.com/office/drawing/2018/hyperlinkcolor">
-  <p:cSld>
-    <p:bg>
-      <p:bgPr>
-        <a:solidFill>
-          <a:srgbClr val="0C343D"/>
-        </a:solidFill>
-      </p:bgPr>
-    </p:bg>
-    <p:spTree>
-      <p:nvGrpSpPr>
-        <p:cNvPr id="92" name="Shape 92"/>
-        <p:cNvGrpSpPr/>
-        <p:nvPr/>
-      </p:nvGrpSpPr>
-      <p:grpSpPr>
-        <a:xfrm>
-          <a:off x="0" y="0"/>
-          <a:ext cx="0" cy="0"/>
-          <a:chOff x="0" y="0"/>
-          <a:chExt cx="0" cy="0"/>
-        </a:xfrm>
-      </p:grpSpPr>
-      <p:pic>
-        <p:nvPicPr>
-          <p:cNvPr id="93" name="Google Shape;93;p18"/>
-          <p:cNvPicPr preferRelativeResize="0"/>
-          <p:nvPr/>
-        </p:nvPicPr>
-        <p:blipFill>
-          <a:blip r:embed="rId3">
-            <a:alphaModFix/>
-          </a:blip>
-          <a:stretch>
-            <a:fillRect/>
-          </a:stretch>
-        </p:blipFill>
-        <p:spPr>
-          <a:xfrm>
-            <a:off x="1981200" y="0"/>
-            <a:ext cx="5109378" cy="5143500"/>
-          </a:xfrm>
-          <a:prstGeom prst="rect">
-            <a:avLst/>
-          </a:prstGeom>
-          <a:noFill/>
-          <a:ln>
-            <a:noFill/>
-          </a:ln>
-        </p:spPr>
-      </p:pic>
-    </p:spTree>
-  </p:cSld>
-  <p:clrMapOvr>
-    <a:masterClrMapping/>
-  </p:clrMapOvr>
-</p:sld>
-</file>
-
-<file path=ppt/slides/slide7.xml><?xml version="1.0" encoding="utf-8"?>
-<p:sld xmlns:a="http://schemas.openxmlformats.org/drawingml/2006/main" xmlns:r="http://schemas.openxmlformats.org/officeDocument/2006/relationships" xmlns:mc="http://schemas.openxmlformats.org/markup-compatibility/2006" xmlns:mv="urn:schemas-microsoft-com:mac:vml" xmlns:p="http://schemas.openxmlformats.org/presentationml/2006/main" xmlns:c="http://schemas.openxmlformats.org/drawingml/2006/chart" xmlns:dgm="http://schemas.openxmlformats.org/drawingml/2006/diagram" xmlns:o="urn:schemas-microsoft-com:office:office" xmlns:v="urn:schemas-microsoft-com:vml" xmlns:pvml="urn:schemas-microsoft-com:office:powerpoint" xmlns:com="http://schemas.openxmlformats.org/drawingml/2006/compatibility" xmlns:p14="http://schemas.microsoft.com/office/powerpoint/2010/main" xmlns:p15="http://schemas.microsoft.com/office/powerpoint/2012/main" xmlns:ahyp="http://schemas.microsoft.com/office/drawing/2018/hyperlinkcolor">
-  <p:cSld>
-    <p:bg>
-      <p:bgPr>
-        <a:solidFill>
-          <a:srgbClr val="0C343D"/>
-        </a:solidFill>
-      </p:bgPr>
-    </p:bg>
-    <p:spTree>
-      <p:nvGrpSpPr>
-        <p:cNvPr id="97" name="Shape 97"/>
-        <p:cNvGrpSpPr/>
-        <p:nvPr/>
-      </p:nvGrpSpPr>
-      <p:grpSpPr>
-        <a:xfrm>
-          <a:off x="0" y="0"/>
-          <a:ext cx="0" cy="0"/>
-          <a:chOff x="0" y="0"/>
-          <a:chExt cx="0" cy="0"/>
-        </a:xfrm>
-      </p:grpSpPr>
-      <p:pic>
-        <p:nvPicPr>
-          <p:cNvPr id="98" name="Google Shape;98;p19"/>
-          <p:cNvPicPr preferRelativeResize="0"/>
-          <p:nvPr/>
-        </p:nvPicPr>
-        <p:blipFill>
-          <a:blip r:embed="rId3">
-            <a:alphaModFix/>
-          </a:blip>
-          <a:stretch>
-            <a:fillRect/>
-          </a:stretch>
-        </p:blipFill>
-        <p:spPr>
-          <a:xfrm>
-            <a:off x="1981200" y="0"/>
-            <a:ext cx="5116208" cy="5143500"/>
-          </a:xfrm>
-          <a:prstGeom prst="rect">
-            <a:avLst/>
-          </a:prstGeom>
-          <a:noFill/>
-          <a:ln>
-            <a:noFill/>
-          </a:ln>
-        </p:spPr>
-      </p:pic>
-    </p:spTree>
-  </p:cSld>
-  <p:clrMapOvr>
-    <a:masterClrMapping/>
-  </p:clrMapOvr>
-</p:sld>
-</file>
-
-<file path=ppt/slides/slide8.xml><?xml version="1.0" encoding="utf-8"?>
 <p:sld xmlns:a="http://schemas.openxmlformats.org/drawingml/2006/main" xmlns:r="http://schemas.openxmlformats.org/officeDocument/2006/relationships" xmlns:mc="http://schemas.openxmlformats.org/markup-compatibility/2006" xmlns:mv="urn:schemas-microsoft-com:mac:vml" xmlns:p="http://schemas.openxmlformats.org/presentationml/2006/main" xmlns:c="http://schemas.openxmlformats.org/drawingml/2006/chart" xmlns:dgm="http://schemas.openxmlformats.org/drawingml/2006/diagram" xmlns:o="urn:schemas-microsoft-com:office:office" xmlns:v="urn:schemas-microsoft-com:vml" xmlns:pvml="urn:schemas-microsoft-com:office:powerpoint" xmlns:com="http://schemas.openxmlformats.org/drawingml/2006/compatibility" xmlns:p14="http://schemas.microsoft.com/office/powerpoint/2010/main" xmlns:p15="http://schemas.microsoft.com/office/powerpoint/2012/main" xmlns:ahyp="http://schemas.microsoft.com/office/drawing/2018/hyperlinkcolor">
   <p:cSld>
     <p:spTree>
@@ -8707,7 +10005,7 @@
       </p:grpSpPr>
       <p:sp>
         <p:nvSpPr>
-          <p:cNvPr id="103" name="Google Shape;103;p20"/>
+          <p:cNvPr id="103" name="Google Shape;103;p17"/>
           <p:cNvSpPr txBox="1"/>
           <p:nvPr>
             <p:ph type="title"/>
@@ -8739,7 +10037,7 @@
             </a:pPr>
             <a:r>
               <a:rPr lang="es"/>
-              <a:t>¿cuántos clusters proponer?</a:t>
+              <a:t>medidas de pertenencia</a:t>
             </a:r>
             <a:endParaRPr/>
           </a:p>
@@ -8747,7 +10045,7 @@
       </p:sp>
       <p:sp>
         <p:nvSpPr>
-          <p:cNvPr id="104" name="Google Shape;104;p20"/>
+          <p:cNvPr id="104" name="Google Shape;104;p17"/>
           <p:cNvSpPr txBox="1"/>
           <p:nvPr>
             <p:ph idx="1" type="body"/>
@@ -8755,8 +10053,8 @@
         </p:nvSpPr>
         <p:spPr>
           <a:xfrm>
-            <a:off x="311700" y="1100575"/>
-            <a:ext cx="2740800" cy="3263400"/>
+            <a:off x="311700" y="1000075"/>
+            <a:ext cx="8679900" cy="1343100"/>
           </a:xfrm>
           <a:prstGeom prst="rect">
             <a:avLst/>
@@ -8773,13 +10071,76 @@
                 <a:spcPts val="0"/>
               </a:spcBef>
               <a:spcAft>
-                <a:spcPts val="1600"/>
+                <a:spcPts val="0"/>
               </a:spcAft>
               <a:buNone/>
             </a:pPr>
             <a:r>
               <a:rPr lang="es"/>
-              <a:t>¿Cúal es el número de k óptimo?</a:t>
+              <a:t>La similaridad está basada en la distancia entre las instancias. Los clusters se diferencían uno de otro por el </a:t>
+            </a:r>
+            <a:r>
+              <a:rPr b="1" lang="es"/>
+              <a:t>centroide</a:t>
+            </a:r>
+            <a:r>
+              <a:rPr lang="es"/>
+              <a:t>. Instancias con diferentes centroides pertenecen a diferentes grupos. </a:t>
+            </a:r>
+            <a:endParaRPr/>
+          </a:p>
+          <a:p>
+            <a:pPr indent="0" lvl="0" marL="0" rtl="0" algn="l">
+              <a:spcBef>
+                <a:spcPts val="1600"/>
+              </a:spcBef>
+              <a:spcAft>
+                <a:spcPts val="1600"/>
+              </a:spcAft>
+              <a:buNone/>
+            </a:pPr>
+            <a:r>
+              <a:t/>
+            </a:r>
+            <a:endParaRPr/>
+          </a:p>
+        </p:txBody>
+      </p:sp>
+      <p:sp>
+        <p:nvSpPr>
+          <p:cNvPr id="105" name="Google Shape;105;p17"/>
+          <p:cNvSpPr txBox="1"/>
+          <p:nvPr>
+            <p:ph idx="1" type="body"/>
+          </p:nvPr>
+        </p:nvSpPr>
+        <p:spPr>
+          <a:xfrm>
+            <a:off x="311700" y="2638900"/>
+            <a:ext cx="4815300" cy="2234700"/>
+          </a:xfrm>
+          <a:prstGeom prst="rect">
+            <a:avLst/>
+          </a:prstGeom>
+        </p:spPr>
+        <p:txBody>
+          <a:bodyPr anchorCtr="0" anchor="t" bIns="91425" lIns="91425" spcFirstLastPara="1" rIns="91425" wrap="square" tIns="91425">
+            <a:noAutofit/>
+          </a:bodyPr>
+          <a:lstStyle/>
+          <a:p>
+            <a:pPr indent="0" lvl="0" marL="0" rtl="0" algn="just">
+              <a:spcBef>
+                <a:spcPts val="0"/>
+              </a:spcBef>
+              <a:spcAft>
+                <a:spcPts val="1600"/>
+              </a:spcAft>
+              <a:buNone/>
+            </a:pPr>
+            <a:r>
+              <a:rPr lang="es"/>
+              <a:t>Los centroides se calculan de forma iterativa. Primero se proponen k centroides de posición aleatoria y posteriormente se encuentra un sentido de pertenencia. </a:t>
             </a:r>
             <a:endParaRPr/>
           </a:p>
@@ -8787,7 +10148,7 @@
       </p:sp>
       <p:pic>
         <p:nvPicPr>
-          <p:cNvPr id="105" name="Google Shape;105;p20"/>
+          <p:cNvPr id="106" name="Google Shape;106;p17"/>
           <p:cNvPicPr preferRelativeResize="0"/>
           <p:nvPr/>
         </p:nvPicPr>
@@ -8801,36 +10162,8 @@
         </p:blipFill>
         <p:spPr>
           <a:xfrm>
-            <a:off x="3598992" y="1016000"/>
-            <a:ext cx="5335458" cy="3811025"/>
-          </a:xfrm>
-          <a:prstGeom prst="rect">
-            <a:avLst/>
-          </a:prstGeom>
-          <a:noFill/>
-          <a:ln>
-            <a:noFill/>
-          </a:ln>
-        </p:spPr>
-      </p:pic>
-      <p:pic>
-        <p:nvPicPr>
-          <p:cNvPr id="106" name="Google Shape;106;p20"/>
-          <p:cNvPicPr preferRelativeResize="0"/>
-          <p:nvPr/>
-        </p:nvPicPr>
-        <p:blipFill>
-          <a:blip r:embed="rId4">
-            <a:alphaModFix/>
-          </a:blip>
-          <a:stretch>
-            <a:fillRect/>
-          </a:stretch>
-        </p:blipFill>
-        <p:spPr>
-          <a:xfrm>
-            <a:off x="225070" y="1874225"/>
-            <a:ext cx="3376025" cy="2952800"/>
+            <a:off x="5128200" y="2038375"/>
+            <a:ext cx="3863400" cy="2897550"/>
           </a:xfrm>
           <a:prstGeom prst="rect">
             <a:avLst/>
@@ -8849,7 +10182,7 @@
 </p:sld>
 </file>
 
-<file path=ppt/slides/slide9.xml><?xml version="1.0" encoding="utf-8"?>
+<file path=ppt/slides/slide6.xml><?xml version="1.0" encoding="utf-8"?>
 <p:sld xmlns:a="http://schemas.openxmlformats.org/drawingml/2006/main" xmlns:r="http://schemas.openxmlformats.org/officeDocument/2006/relationships" xmlns:mc="http://schemas.openxmlformats.org/markup-compatibility/2006" xmlns:mv="urn:schemas-microsoft-com:mac:vml" xmlns:p="http://schemas.openxmlformats.org/presentationml/2006/main" xmlns:c="http://schemas.openxmlformats.org/drawingml/2006/chart" xmlns:dgm="http://schemas.openxmlformats.org/drawingml/2006/diagram" xmlns:o="urn:schemas-microsoft-com:office:office" xmlns:v="urn:schemas-microsoft-com:vml" xmlns:pvml="urn:schemas-microsoft-com:office:powerpoint" xmlns:com="http://schemas.openxmlformats.org/drawingml/2006/compatibility" xmlns:p14="http://schemas.microsoft.com/office/powerpoint/2010/main" xmlns:p15="http://schemas.microsoft.com/office/powerpoint/2012/main" xmlns:ahyp="http://schemas.microsoft.com/office/drawing/2018/hyperlinkcolor">
   <p:cSld>
     <p:spTree>
@@ -8868,7 +10201,7 @@
       </p:grpSpPr>
       <p:sp>
         <p:nvSpPr>
-          <p:cNvPr id="111" name="Google Shape;111;p21"/>
+          <p:cNvPr id="111" name="Google Shape;111;p18"/>
           <p:cNvSpPr txBox="1"/>
           <p:nvPr>
             <p:ph type="title"/>
@@ -8908,7 +10241,7 @@
       </p:sp>
       <p:sp>
         <p:nvSpPr>
-          <p:cNvPr id="112" name="Google Shape;112;p21"/>
+          <p:cNvPr id="112" name="Google Shape;112;p18"/>
           <p:cNvSpPr txBox="1"/>
           <p:nvPr>
             <p:ph idx="1" type="body"/>
@@ -9031,6 +10364,369 @@
           </a:p>
         </p:txBody>
       </p:sp>
+    </p:spTree>
+  </p:cSld>
+  <p:clrMapOvr>
+    <a:masterClrMapping/>
+  </p:clrMapOvr>
+</p:sld>
+</file>
+
+<file path=ppt/slides/slide7.xml><?xml version="1.0" encoding="utf-8"?>
+<p:sld xmlns:a="http://schemas.openxmlformats.org/drawingml/2006/main" xmlns:r="http://schemas.openxmlformats.org/officeDocument/2006/relationships" xmlns:mc="http://schemas.openxmlformats.org/markup-compatibility/2006" xmlns:mv="urn:schemas-microsoft-com:mac:vml" xmlns:p="http://schemas.openxmlformats.org/presentationml/2006/main" xmlns:c="http://schemas.openxmlformats.org/drawingml/2006/chart" xmlns:dgm="http://schemas.openxmlformats.org/drawingml/2006/diagram" xmlns:o="urn:schemas-microsoft-com:office:office" xmlns:v="urn:schemas-microsoft-com:vml" xmlns:pvml="urn:schemas-microsoft-com:office:powerpoint" xmlns:com="http://schemas.openxmlformats.org/drawingml/2006/compatibility" xmlns:p14="http://schemas.microsoft.com/office/powerpoint/2010/main" xmlns:p15="http://schemas.microsoft.com/office/powerpoint/2012/main" xmlns:ahyp="http://schemas.microsoft.com/office/drawing/2018/hyperlinkcolor">
+  <p:cSld>
+    <p:spTree>
+      <p:nvGrpSpPr>
+        <p:cNvPr id="116" name="Shape 116"/>
+        <p:cNvGrpSpPr/>
+        <p:nvPr/>
+      </p:nvGrpSpPr>
+      <p:grpSpPr>
+        <a:xfrm>
+          <a:off x="0" y="0"/>
+          <a:ext cx="0" cy="0"/>
+          <a:chOff x="0" y="0"/>
+          <a:chExt cx="0" cy="0"/>
+        </a:xfrm>
+      </p:grpSpPr>
+      <p:sp>
+        <p:nvSpPr>
+          <p:cNvPr id="117" name="Google Shape;117;p19"/>
+          <p:cNvSpPr txBox="1"/>
+          <p:nvPr>
+            <p:ph type="title"/>
+          </p:nvPr>
+        </p:nvSpPr>
+        <p:spPr>
+          <a:xfrm>
+            <a:off x="490250" y="526350"/>
+            <a:ext cx="8159700" cy="4090800"/>
+          </a:xfrm>
+          <a:prstGeom prst="rect">
+            <a:avLst/>
+          </a:prstGeom>
+        </p:spPr>
+        <p:txBody>
+          <a:bodyPr anchorCtr="0" anchor="ctr" bIns="91425" lIns="91425" spcFirstLastPara="1" rIns="91425" wrap="square" tIns="91425">
+            <a:noAutofit/>
+          </a:bodyPr>
+          <a:lstStyle/>
+          <a:p>
+            <a:pPr indent="0" lvl="0" marL="0" rtl="0" algn="l">
+              <a:spcBef>
+                <a:spcPts val="0"/>
+              </a:spcBef>
+              <a:spcAft>
+                <a:spcPts val="0"/>
+              </a:spcAft>
+              <a:buNone/>
+            </a:pPr>
+            <a:r>
+              <a:rPr lang="es"/>
+              <a:t>6.5.1		k-means</a:t>
+            </a:r>
+            <a:endParaRPr/>
+          </a:p>
+        </p:txBody>
+      </p:sp>
+    </p:spTree>
+  </p:cSld>
+  <p:clrMapOvr>
+    <a:masterClrMapping/>
+  </p:clrMapOvr>
+</p:sld>
+</file>
+
+<file path=ppt/slides/slide8.xml><?xml version="1.0" encoding="utf-8"?>
+<p:sld xmlns:a="http://schemas.openxmlformats.org/drawingml/2006/main" xmlns:r="http://schemas.openxmlformats.org/officeDocument/2006/relationships" xmlns:mc="http://schemas.openxmlformats.org/markup-compatibility/2006" xmlns:mv="urn:schemas-microsoft-com:mac:vml" xmlns:p="http://schemas.openxmlformats.org/presentationml/2006/main" xmlns:c="http://schemas.openxmlformats.org/drawingml/2006/chart" xmlns:dgm="http://schemas.openxmlformats.org/drawingml/2006/diagram" xmlns:o="urn:schemas-microsoft-com:office:office" xmlns:v="urn:schemas-microsoft-com:vml" xmlns:pvml="urn:schemas-microsoft-com:office:powerpoint" xmlns:com="http://schemas.openxmlformats.org/drawingml/2006/compatibility" xmlns:p14="http://schemas.microsoft.com/office/powerpoint/2010/main" xmlns:p15="http://schemas.microsoft.com/office/powerpoint/2012/main" xmlns:ahyp="http://schemas.microsoft.com/office/drawing/2018/hyperlinkcolor">
+  <p:cSld>
+    <p:spTree>
+      <p:nvGrpSpPr>
+        <p:cNvPr id="121" name="Shape 121"/>
+        <p:cNvGrpSpPr/>
+        <p:nvPr/>
+      </p:nvGrpSpPr>
+      <p:grpSpPr>
+        <a:xfrm>
+          <a:off x="0" y="0"/>
+          <a:ext cx="0" cy="0"/>
+          <a:chOff x="0" y="0"/>
+          <a:chExt cx="0" cy="0"/>
+        </a:xfrm>
+      </p:grpSpPr>
+      <p:sp>
+        <p:nvSpPr>
+          <p:cNvPr id="122" name="Google Shape;122;p20"/>
+          <p:cNvSpPr txBox="1"/>
+          <p:nvPr>
+            <p:ph type="title"/>
+          </p:nvPr>
+        </p:nvSpPr>
+        <p:spPr>
+          <a:xfrm>
+            <a:off x="311700" y="292850"/>
+            <a:ext cx="8520600" cy="801000"/>
+          </a:xfrm>
+          <a:prstGeom prst="rect">
+            <a:avLst/>
+          </a:prstGeom>
+        </p:spPr>
+        <p:txBody>
+          <a:bodyPr anchorCtr="0" anchor="t" bIns="91425" lIns="91425" spcFirstLastPara="1" rIns="91425" wrap="square" tIns="91425">
+            <a:noAutofit/>
+          </a:bodyPr>
+          <a:lstStyle/>
+          <a:p>
+            <a:pPr indent="0" lvl="0" marL="0" rtl="0" algn="l">
+              <a:spcBef>
+                <a:spcPts val="0"/>
+              </a:spcBef>
+              <a:spcAft>
+                <a:spcPts val="0"/>
+              </a:spcAft>
+              <a:buNone/>
+            </a:pPr>
+            <a:r>
+              <a:rPr lang="es"/>
+              <a:t>clustering con k-means</a:t>
+            </a:r>
+            <a:endParaRPr/>
+          </a:p>
+        </p:txBody>
+      </p:sp>
+      <p:sp>
+        <p:nvSpPr>
+          <p:cNvPr id="123" name="Google Shape;123;p20"/>
+          <p:cNvSpPr txBox="1"/>
+          <p:nvPr>
+            <p:ph idx="1" type="body"/>
+          </p:nvPr>
+        </p:nvSpPr>
+        <p:spPr>
+          <a:xfrm>
+            <a:off x="311700" y="1100575"/>
+            <a:ext cx="4076400" cy="3263400"/>
+          </a:xfrm>
+          <a:prstGeom prst="rect">
+            <a:avLst/>
+          </a:prstGeom>
+        </p:spPr>
+        <p:txBody>
+          <a:bodyPr anchorCtr="0" anchor="t" bIns="91425" lIns="91425" spcFirstLastPara="1" rIns="91425" wrap="square" tIns="91425">
+            <a:noAutofit/>
+          </a:bodyPr>
+          <a:lstStyle/>
+          <a:p>
+            <a:pPr indent="0" lvl="0" marL="0" rtl="0" algn="just">
+              <a:spcBef>
+                <a:spcPts val="0"/>
+              </a:spcBef>
+              <a:spcAft>
+                <a:spcPts val="0"/>
+              </a:spcAft>
+              <a:buNone/>
+            </a:pPr>
+            <a:r>
+              <a:rPr lang="es"/>
+              <a:t>Es un método basado en particiones. Se construyen k particiones de los datos, donde cada parte representa un grupo o cluster.</a:t>
+            </a:r>
+            <a:endParaRPr/>
+          </a:p>
+          <a:p>
+            <a:pPr indent="0" lvl="0" marL="0" rtl="0" algn="just">
+              <a:spcBef>
+                <a:spcPts val="1600"/>
+              </a:spcBef>
+              <a:spcAft>
+                <a:spcPts val="0"/>
+              </a:spcAft>
+              <a:buNone/>
+            </a:pPr>
+            <a:r>
+              <a:rPr lang="es"/>
+              <a:t>Cada grupo tiene al menos un</a:t>
+            </a:r>
+            <a:endParaRPr/>
+          </a:p>
+          <a:p>
+            <a:pPr indent="0" lvl="0" marL="0" rtl="0" algn="just">
+              <a:spcBef>
+                <a:spcPts val="1600"/>
+              </a:spcBef>
+              <a:spcAft>
+                <a:spcPts val="1600"/>
+              </a:spcAft>
+              <a:buNone/>
+            </a:pPr>
+            <a:r>
+              <a:rPr lang="es"/>
+              <a:t>elemento. Este método crea una partición inicial e iteran hasta un criterio de paro.</a:t>
+            </a:r>
+            <a:endParaRPr/>
+          </a:p>
+        </p:txBody>
+      </p:sp>
+      <p:pic>
+        <p:nvPicPr>
+          <p:cNvPr id="124" name="Google Shape;124;p20"/>
+          <p:cNvPicPr preferRelativeResize="0"/>
+          <p:nvPr/>
+        </p:nvPicPr>
+        <p:blipFill>
+          <a:blip r:embed="rId3">
+            <a:alphaModFix/>
+          </a:blip>
+          <a:stretch>
+            <a:fillRect/>
+          </a:stretch>
+        </p:blipFill>
+        <p:spPr>
+          <a:xfrm>
+            <a:off x="4791075" y="347663"/>
+            <a:ext cx="4133850" cy="4448175"/>
+          </a:xfrm>
+          <a:prstGeom prst="rect">
+            <a:avLst/>
+          </a:prstGeom>
+          <a:noFill/>
+          <a:ln>
+            <a:noFill/>
+          </a:ln>
+        </p:spPr>
+      </p:pic>
+    </p:spTree>
+  </p:cSld>
+  <p:clrMapOvr>
+    <a:masterClrMapping/>
+  </p:clrMapOvr>
+</p:sld>
+</file>
+
+<file path=ppt/slides/slide9.xml><?xml version="1.0" encoding="utf-8"?>
+<p:sld xmlns:a="http://schemas.openxmlformats.org/drawingml/2006/main" xmlns:r="http://schemas.openxmlformats.org/officeDocument/2006/relationships" xmlns:mc="http://schemas.openxmlformats.org/markup-compatibility/2006" xmlns:mv="urn:schemas-microsoft-com:mac:vml" xmlns:p="http://schemas.openxmlformats.org/presentationml/2006/main" xmlns:c="http://schemas.openxmlformats.org/drawingml/2006/chart" xmlns:dgm="http://schemas.openxmlformats.org/drawingml/2006/diagram" xmlns:o="urn:schemas-microsoft-com:office:office" xmlns:v="urn:schemas-microsoft-com:vml" xmlns:pvml="urn:schemas-microsoft-com:office:powerpoint" xmlns:com="http://schemas.openxmlformats.org/drawingml/2006/compatibility" xmlns:p14="http://schemas.microsoft.com/office/powerpoint/2010/main" xmlns:p15="http://schemas.microsoft.com/office/powerpoint/2012/main" xmlns:ahyp="http://schemas.microsoft.com/office/drawing/2018/hyperlinkcolor">
+  <p:cSld>
+    <p:spTree>
+      <p:nvGrpSpPr>
+        <p:cNvPr id="128" name="Shape 128"/>
+        <p:cNvGrpSpPr/>
+        <p:nvPr/>
+      </p:nvGrpSpPr>
+      <p:grpSpPr>
+        <a:xfrm>
+          <a:off x="0" y="0"/>
+          <a:ext cx="0" cy="0"/>
+          <a:chOff x="0" y="0"/>
+          <a:chExt cx="0" cy="0"/>
+        </a:xfrm>
+      </p:grpSpPr>
+      <p:sp>
+        <p:nvSpPr>
+          <p:cNvPr id="129" name="Google Shape;129;p21"/>
+          <p:cNvSpPr txBox="1"/>
+          <p:nvPr>
+            <p:ph type="title"/>
+          </p:nvPr>
+        </p:nvSpPr>
+        <p:spPr>
+          <a:xfrm>
+            <a:off x="311700" y="292850"/>
+            <a:ext cx="8520600" cy="801000"/>
+          </a:xfrm>
+          <a:prstGeom prst="rect">
+            <a:avLst/>
+          </a:prstGeom>
+        </p:spPr>
+        <p:txBody>
+          <a:bodyPr anchorCtr="0" anchor="t" bIns="91425" lIns="91425" spcFirstLastPara="1" rIns="91425" wrap="square" tIns="91425">
+            <a:noAutofit/>
+          </a:bodyPr>
+          <a:lstStyle/>
+          <a:p>
+            <a:pPr indent="0" lvl="0" marL="0" rtl="0" algn="l">
+              <a:spcBef>
+                <a:spcPts val="0"/>
+              </a:spcBef>
+              <a:spcAft>
+                <a:spcPts val="0"/>
+              </a:spcAft>
+              <a:buNone/>
+            </a:pPr>
+            <a:r>
+              <a:rPr lang="es"/>
+              <a:t>Centroides</a:t>
+            </a:r>
+            <a:endParaRPr/>
+          </a:p>
+        </p:txBody>
+      </p:sp>
+      <p:sp>
+        <p:nvSpPr>
+          <p:cNvPr id="130" name="Google Shape;130;p21"/>
+          <p:cNvSpPr txBox="1"/>
+          <p:nvPr>
+            <p:ph idx="1" type="body"/>
+          </p:nvPr>
+        </p:nvSpPr>
+        <p:spPr>
+          <a:xfrm>
+            <a:off x="311700" y="1633975"/>
+            <a:ext cx="1853700" cy="3263400"/>
+          </a:xfrm>
+          <a:prstGeom prst="rect">
+            <a:avLst/>
+          </a:prstGeom>
+        </p:spPr>
+        <p:txBody>
+          <a:bodyPr anchorCtr="0" anchor="t" bIns="91425" lIns="91425" spcFirstLastPara="1" rIns="91425" wrap="square" tIns="91425">
+            <a:noAutofit/>
+          </a:bodyPr>
+          <a:lstStyle/>
+          <a:p>
+            <a:pPr indent="0" lvl="0" marL="0" rtl="0" algn="just">
+              <a:spcBef>
+                <a:spcPts val="0"/>
+              </a:spcBef>
+              <a:spcAft>
+                <a:spcPts val="1600"/>
+              </a:spcAft>
+              <a:buNone/>
+            </a:pPr>
+            <a:r>
+              <a:rPr lang="es"/>
+              <a:t>Proceso iterativo para encontrar centros de k-clusters.</a:t>
+            </a:r>
+            <a:endParaRPr/>
+          </a:p>
+        </p:txBody>
+      </p:sp>
+      <p:pic>
+        <p:nvPicPr>
+          <p:cNvPr id="131" name="Google Shape;131;p21"/>
+          <p:cNvPicPr preferRelativeResize="0"/>
+          <p:nvPr/>
+        </p:nvPicPr>
+        <p:blipFill>
+          <a:blip r:embed="rId3">
+            <a:alphaModFix/>
+          </a:blip>
+          <a:stretch>
+            <a:fillRect/>
+          </a:stretch>
+        </p:blipFill>
+        <p:spPr>
+          <a:xfrm>
+            <a:off x="2165515" y="292850"/>
+            <a:ext cx="6963983" cy="4698250"/>
+          </a:xfrm>
+          <a:prstGeom prst="rect">
+            <a:avLst/>
+          </a:prstGeom>
+          <a:noFill/>
+          <a:ln>
+            <a:noFill/>
+          </a:ln>
+        </p:spPr>
+      </p:pic>
     </p:spTree>
   </p:cSld>
   <p:clrMapOvr>
